--- a/DéfenseOrale.pptx
+++ b/DéfenseOrale.pptx
@@ -2,8 +2,11 @@
 <file path=ppt/presentation.xml><?xml version="1.0" encoding="utf-8"?>
 <p:presentation xmlns:a="http://schemas.openxmlformats.org/drawingml/2006/main" xmlns:r="http://schemas.openxmlformats.org/officeDocument/2006/relationships" xmlns:p="http://schemas.openxmlformats.org/presentationml/2006/main" saveSubsetFonts="1">
   <p:sldMasterIdLst>
-    <p:sldMasterId id="2147483648" r:id="rId1"/>
+    <p:sldMasterId id="2147483952" r:id="rId1"/>
   </p:sldMasterIdLst>
+  <p:notesMasterIdLst>
+    <p:notesMasterId r:id="rId11"/>
+  </p:notesMasterIdLst>
   <p:sldIdLst>
     <p:sldId id="256" r:id="rId2"/>
     <p:sldId id="257" r:id="rId3"/>
@@ -112,7 +115,446 @@
       </a:defRPr>
     </a:lvl9pPr>
   </p:defaultTextStyle>
+  <p:extLst>
+    <p:ext uri="{EFAFB233-063F-42B5-8137-9DF3F51BA10A}">
+      <p15:sldGuideLst xmlns:p15="http://schemas.microsoft.com/office/powerpoint/2012/main"/>
+    </p:ext>
+  </p:extLst>
 </p:presentation>
+</file>
+
+<file path=ppt/notesMasters/notesMaster1.xml><?xml version="1.0" encoding="utf-8"?>
+<p:notesMaster xmlns:a="http://schemas.openxmlformats.org/drawingml/2006/main" xmlns:r="http://schemas.openxmlformats.org/officeDocument/2006/relationships" xmlns:p="http://schemas.openxmlformats.org/presentationml/2006/main">
+  <p:cSld>
+    <p:bg>
+      <p:bgRef idx="1001">
+        <a:schemeClr val="bg1"/>
+      </p:bgRef>
+    </p:bg>
+    <p:spTree>
+      <p:nvGrpSpPr>
+        <p:cNvPr id="1" name=""/>
+        <p:cNvGrpSpPr/>
+        <p:nvPr/>
+      </p:nvGrpSpPr>
+      <p:grpSpPr>
+        <a:xfrm>
+          <a:off x="0" y="0"/>
+          <a:ext cx="0" cy="0"/>
+          <a:chOff x="0" y="0"/>
+          <a:chExt cx="0" cy="0"/>
+        </a:xfrm>
+      </p:grpSpPr>
+      <p:sp>
+        <p:nvSpPr>
+          <p:cNvPr id="2" name="Espace réservé de l'en-tête 1"/>
+          <p:cNvSpPr>
+            <a:spLocks noGrp="1"/>
+          </p:cNvSpPr>
+          <p:nvPr>
+            <p:ph type="hdr" sz="quarter"/>
+          </p:nvPr>
+        </p:nvSpPr>
+        <p:spPr>
+          <a:xfrm>
+            <a:off x="0" y="0"/>
+            <a:ext cx="2971800" cy="458788"/>
+          </a:xfrm>
+          <a:prstGeom prst="rect">
+            <a:avLst/>
+          </a:prstGeom>
+        </p:spPr>
+        <p:txBody>
+          <a:bodyPr vert="horz" lIns="91440" tIns="45720" rIns="91440" bIns="45720" rtlCol="0"/>
+          <a:lstStyle>
+            <a:lvl1pPr algn="l">
+              <a:defRPr sz="1200"/>
+            </a:lvl1pPr>
+          </a:lstStyle>
+          <a:p>
+            <a:endParaRPr lang="fr-BE"/>
+          </a:p>
+        </p:txBody>
+      </p:sp>
+      <p:sp>
+        <p:nvSpPr>
+          <p:cNvPr id="3" name="Espace réservé de la date 2"/>
+          <p:cNvSpPr>
+            <a:spLocks noGrp="1"/>
+          </p:cNvSpPr>
+          <p:nvPr>
+            <p:ph type="dt" idx="1"/>
+          </p:nvPr>
+        </p:nvSpPr>
+        <p:spPr>
+          <a:xfrm>
+            <a:off x="3884613" y="0"/>
+            <a:ext cx="2971800" cy="458788"/>
+          </a:xfrm>
+          <a:prstGeom prst="rect">
+            <a:avLst/>
+          </a:prstGeom>
+        </p:spPr>
+        <p:txBody>
+          <a:bodyPr vert="horz" lIns="91440" tIns="45720" rIns="91440" bIns="45720" rtlCol="0"/>
+          <a:lstStyle>
+            <a:lvl1pPr algn="r">
+              <a:defRPr sz="1200"/>
+            </a:lvl1pPr>
+          </a:lstStyle>
+          <a:p>
+            <a:fld id="{68657CF5-15D2-4420-94CE-A9BD4E00B5B6}" type="datetimeFigureOut">
+              <a:rPr lang="fr-BE" smtClean="0"/>
+              <a:t>12/06/2017</a:t>
+            </a:fld>
+            <a:endParaRPr lang="fr-BE"/>
+          </a:p>
+        </p:txBody>
+      </p:sp>
+      <p:sp>
+        <p:nvSpPr>
+          <p:cNvPr id="4" name="Espace réservé de l'image des diapositives 3"/>
+          <p:cNvSpPr>
+            <a:spLocks noGrp="1" noRot="1" noChangeAspect="1"/>
+          </p:cNvSpPr>
+          <p:nvPr>
+            <p:ph type="sldImg" idx="2"/>
+          </p:nvPr>
+        </p:nvSpPr>
+        <p:spPr>
+          <a:xfrm>
+            <a:off x="685800" y="1143000"/>
+            <a:ext cx="5486400" cy="3086100"/>
+          </a:xfrm>
+          <a:prstGeom prst="rect">
+            <a:avLst/>
+          </a:prstGeom>
+          <a:noFill/>
+          <a:ln w="12700">
+            <a:solidFill>
+              <a:prstClr val="black"/>
+            </a:solidFill>
+          </a:ln>
+        </p:spPr>
+        <p:txBody>
+          <a:bodyPr vert="horz" lIns="91440" tIns="45720" rIns="91440" bIns="45720" rtlCol="0" anchor="ctr"/>
+          <a:lstStyle/>
+          <a:p>
+            <a:endParaRPr lang="fr-BE"/>
+          </a:p>
+        </p:txBody>
+      </p:sp>
+      <p:sp>
+        <p:nvSpPr>
+          <p:cNvPr id="5" name="Espace réservé des commentaires 4"/>
+          <p:cNvSpPr>
+            <a:spLocks noGrp="1"/>
+          </p:cNvSpPr>
+          <p:nvPr>
+            <p:ph type="body" sz="quarter" idx="3"/>
+          </p:nvPr>
+        </p:nvSpPr>
+        <p:spPr>
+          <a:xfrm>
+            <a:off x="685800" y="4400550"/>
+            <a:ext cx="5486400" cy="3600450"/>
+          </a:xfrm>
+          <a:prstGeom prst="rect">
+            <a:avLst/>
+          </a:prstGeom>
+        </p:spPr>
+        <p:txBody>
+          <a:bodyPr vert="horz" lIns="91440" tIns="45720" rIns="91440" bIns="45720" rtlCol="0"/>
+          <a:lstStyle/>
+          <a:p>
+            <a:pPr lvl="0"/>
+            <a:r>
+              <a:rPr lang="fr-FR" smtClean="0"/>
+              <a:t>Modifiez les styles du texte du masque</a:t>
+            </a:r>
+          </a:p>
+          <a:p>
+            <a:pPr lvl="1"/>
+            <a:r>
+              <a:rPr lang="fr-FR" smtClean="0"/>
+              <a:t>Deuxième niveau</a:t>
+            </a:r>
+          </a:p>
+          <a:p>
+            <a:pPr lvl="2"/>
+            <a:r>
+              <a:rPr lang="fr-FR" smtClean="0"/>
+              <a:t>Troisième niveau</a:t>
+            </a:r>
+          </a:p>
+          <a:p>
+            <a:pPr lvl="3"/>
+            <a:r>
+              <a:rPr lang="fr-FR" smtClean="0"/>
+              <a:t>Quatrième niveau</a:t>
+            </a:r>
+          </a:p>
+          <a:p>
+            <a:pPr lvl="4"/>
+            <a:r>
+              <a:rPr lang="fr-FR" smtClean="0"/>
+              <a:t>Cinquième niveau</a:t>
+            </a:r>
+            <a:endParaRPr lang="fr-BE"/>
+          </a:p>
+        </p:txBody>
+      </p:sp>
+      <p:sp>
+        <p:nvSpPr>
+          <p:cNvPr id="6" name="Espace réservé du pied de page 5"/>
+          <p:cNvSpPr>
+            <a:spLocks noGrp="1"/>
+          </p:cNvSpPr>
+          <p:nvPr>
+            <p:ph type="ftr" sz="quarter" idx="4"/>
+          </p:nvPr>
+        </p:nvSpPr>
+        <p:spPr>
+          <a:xfrm>
+            <a:off x="0" y="8685213"/>
+            <a:ext cx="2971800" cy="458787"/>
+          </a:xfrm>
+          <a:prstGeom prst="rect">
+            <a:avLst/>
+          </a:prstGeom>
+        </p:spPr>
+        <p:txBody>
+          <a:bodyPr vert="horz" lIns="91440" tIns="45720" rIns="91440" bIns="45720" rtlCol="0" anchor="b"/>
+          <a:lstStyle>
+            <a:lvl1pPr algn="l">
+              <a:defRPr sz="1200"/>
+            </a:lvl1pPr>
+          </a:lstStyle>
+          <a:p>
+            <a:endParaRPr lang="fr-BE"/>
+          </a:p>
+        </p:txBody>
+      </p:sp>
+      <p:sp>
+        <p:nvSpPr>
+          <p:cNvPr id="7" name="Espace réservé du numéro de diapositive 6"/>
+          <p:cNvSpPr>
+            <a:spLocks noGrp="1"/>
+          </p:cNvSpPr>
+          <p:nvPr>
+            <p:ph type="sldNum" sz="quarter" idx="5"/>
+          </p:nvPr>
+        </p:nvSpPr>
+        <p:spPr>
+          <a:xfrm>
+            <a:off x="3884613" y="8685213"/>
+            <a:ext cx="2971800" cy="458787"/>
+          </a:xfrm>
+          <a:prstGeom prst="rect">
+            <a:avLst/>
+          </a:prstGeom>
+        </p:spPr>
+        <p:txBody>
+          <a:bodyPr vert="horz" lIns="91440" tIns="45720" rIns="91440" bIns="45720" rtlCol="0" anchor="b"/>
+          <a:lstStyle>
+            <a:lvl1pPr algn="r">
+              <a:defRPr sz="1200"/>
+            </a:lvl1pPr>
+          </a:lstStyle>
+          <a:p>
+            <a:fld id="{4CF5A086-005B-4E61-B69B-E4B65CD1E85A}" type="slidenum">
+              <a:rPr lang="fr-BE" smtClean="0"/>
+              <a:t>‹N°›</a:t>
+            </a:fld>
+            <a:endParaRPr lang="fr-BE"/>
+          </a:p>
+        </p:txBody>
+      </p:sp>
+    </p:spTree>
+    <p:extLst>
+      <p:ext uri="{BB962C8B-B14F-4D97-AF65-F5344CB8AC3E}">
+        <p14:creationId xmlns:p14="http://schemas.microsoft.com/office/powerpoint/2010/main" val="476775716"/>
+      </p:ext>
+    </p:extLst>
+  </p:cSld>
+  <p:clrMap bg1="lt1" tx1="dk1" bg2="lt2" tx2="dk2" accent1="accent1" accent2="accent2" accent3="accent3" accent4="accent4" accent5="accent5" accent6="accent6" hlink="hlink" folHlink="folHlink"/>
+  <p:notesStyle>
+    <a:lvl1pPr marL="0" algn="l" defTabSz="914400" rtl="0" eaLnBrk="1" latinLnBrk="0" hangingPunct="1">
+      <a:defRPr sz="1200" kern="1200">
+        <a:solidFill>
+          <a:schemeClr val="tx1"/>
+        </a:solidFill>
+        <a:latin typeface="+mn-lt"/>
+        <a:ea typeface="+mn-ea"/>
+        <a:cs typeface="+mn-cs"/>
+      </a:defRPr>
+    </a:lvl1pPr>
+    <a:lvl2pPr marL="457200" algn="l" defTabSz="914400" rtl="0" eaLnBrk="1" latinLnBrk="0" hangingPunct="1">
+      <a:defRPr sz="1200" kern="1200">
+        <a:solidFill>
+          <a:schemeClr val="tx1"/>
+        </a:solidFill>
+        <a:latin typeface="+mn-lt"/>
+        <a:ea typeface="+mn-ea"/>
+        <a:cs typeface="+mn-cs"/>
+      </a:defRPr>
+    </a:lvl2pPr>
+    <a:lvl3pPr marL="914400" algn="l" defTabSz="914400" rtl="0" eaLnBrk="1" latinLnBrk="0" hangingPunct="1">
+      <a:defRPr sz="1200" kern="1200">
+        <a:solidFill>
+          <a:schemeClr val="tx1"/>
+        </a:solidFill>
+        <a:latin typeface="+mn-lt"/>
+        <a:ea typeface="+mn-ea"/>
+        <a:cs typeface="+mn-cs"/>
+      </a:defRPr>
+    </a:lvl3pPr>
+    <a:lvl4pPr marL="1371600" algn="l" defTabSz="914400" rtl="0" eaLnBrk="1" latinLnBrk="0" hangingPunct="1">
+      <a:defRPr sz="1200" kern="1200">
+        <a:solidFill>
+          <a:schemeClr val="tx1"/>
+        </a:solidFill>
+        <a:latin typeface="+mn-lt"/>
+        <a:ea typeface="+mn-ea"/>
+        <a:cs typeface="+mn-cs"/>
+      </a:defRPr>
+    </a:lvl4pPr>
+    <a:lvl5pPr marL="1828800" algn="l" defTabSz="914400" rtl="0" eaLnBrk="1" latinLnBrk="0" hangingPunct="1">
+      <a:defRPr sz="1200" kern="1200">
+        <a:solidFill>
+          <a:schemeClr val="tx1"/>
+        </a:solidFill>
+        <a:latin typeface="+mn-lt"/>
+        <a:ea typeface="+mn-ea"/>
+        <a:cs typeface="+mn-cs"/>
+      </a:defRPr>
+    </a:lvl5pPr>
+    <a:lvl6pPr marL="2286000" algn="l" defTabSz="914400" rtl="0" eaLnBrk="1" latinLnBrk="0" hangingPunct="1">
+      <a:defRPr sz="1200" kern="1200">
+        <a:solidFill>
+          <a:schemeClr val="tx1"/>
+        </a:solidFill>
+        <a:latin typeface="+mn-lt"/>
+        <a:ea typeface="+mn-ea"/>
+        <a:cs typeface="+mn-cs"/>
+      </a:defRPr>
+    </a:lvl6pPr>
+    <a:lvl7pPr marL="2743200" algn="l" defTabSz="914400" rtl="0" eaLnBrk="1" latinLnBrk="0" hangingPunct="1">
+      <a:defRPr sz="1200" kern="1200">
+        <a:solidFill>
+          <a:schemeClr val="tx1"/>
+        </a:solidFill>
+        <a:latin typeface="+mn-lt"/>
+        <a:ea typeface="+mn-ea"/>
+        <a:cs typeface="+mn-cs"/>
+      </a:defRPr>
+    </a:lvl7pPr>
+    <a:lvl8pPr marL="3200400" algn="l" defTabSz="914400" rtl="0" eaLnBrk="1" latinLnBrk="0" hangingPunct="1">
+      <a:defRPr sz="1200" kern="1200">
+        <a:solidFill>
+          <a:schemeClr val="tx1"/>
+        </a:solidFill>
+        <a:latin typeface="+mn-lt"/>
+        <a:ea typeface="+mn-ea"/>
+        <a:cs typeface="+mn-cs"/>
+      </a:defRPr>
+    </a:lvl8pPr>
+    <a:lvl9pPr marL="3657600" algn="l" defTabSz="914400" rtl="0" eaLnBrk="1" latinLnBrk="0" hangingPunct="1">
+      <a:defRPr sz="1200" kern="1200">
+        <a:solidFill>
+          <a:schemeClr val="tx1"/>
+        </a:solidFill>
+        <a:latin typeface="+mn-lt"/>
+        <a:ea typeface="+mn-ea"/>
+        <a:cs typeface="+mn-cs"/>
+      </a:defRPr>
+    </a:lvl9pPr>
+  </p:notesStyle>
+</p:notesMaster>
+</file>
+
+<file path=ppt/notesSlides/notesSlide1.xml><?xml version="1.0" encoding="utf-8"?>
+<p:notes xmlns:a="http://schemas.openxmlformats.org/drawingml/2006/main" xmlns:r="http://schemas.openxmlformats.org/officeDocument/2006/relationships" xmlns:p="http://schemas.openxmlformats.org/presentationml/2006/main">
+  <p:cSld>
+    <p:spTree>
+      <p:nvGrpSpPr>
+        <p:cNvPr id="1" name=""/>
+        <p:cNvGrpSpPr/>
+        <p:nvPr/>
+      </p:nvGrpSpPr>
+      <p:grpSpPr>
+        <a:xfrm>
+          <a:off x="0" y="0"/>
+          <a:ext cx="0" cy="0"/>
+          <a:chOff x="0" y="0"/>
+          <a:chExt cx="0" cy="0"/>
+        </a:xfrm>
+      </p:grpSpPr>
+      <p:sp>
+        <p:nvSpPr>
+          <p:cNvPr id="2" name="Espace réservé de l'image des diapositives 1"/>
+          <p:cNvSpPr>
+            <a:spLocks noGrp="1" noRot="1" noChangeAspect="1"/>
+          </p:cNvSpPr>
+          <p:nvPr>
+            <p:ph type="sldImg"/>
+          </p:nvPr>
+        </p:nvSpPr>
+        <p:spPr/>
+      </p:sp>
+      <p:sp>
+        <p:nvSpPr>
+          <p:cNvPr id="3" name="Espace réservé des commentaires 2"/>
+          <p:cNvSpPr>
+            <a:spLocks noGrp="1"/>
+          </p:cNvSpPr>
+          <p:nvPr>
+            <p:ph type="body" idx="1"/>
+          </p:nvPr>
+        </p:nvSpPr>
+        <p:spPr/>
+        <p:txBody>
+          <a:bodyPr/>
+          <a:lstStyle/>
+          <a:p>
+            <a:endParaRPr lang="fr-BE"/>
+          </a:p>
+        </p:txBody>
+      </p:sp>
+      <p:sp>
+        <p:nvSpPr>
+          <p:cNvPr id="4" name="Espace réservé du numéro de diapositive 3"/>
+          <p:cNvSpPr>
+            <a:spLocks noGrp="1"/>
+          </p:cNvSpPr>
+          <p:nvPr>
+            <p:ph type="sldNum" sz="quarter" idx="10"/>
+          </p:nvPr>
+        </p:nvSpPr>
+        <p:spPr/>
+        <p:txBody>
+          <a:bodyPr/>
+          <a:lstStyle/>
+          <a:p>
+            <a:fld id="{4CF5A086-005B-4E61-B69B-E4B65CD1E85A}" type="slidenum">
+              <a:rPr lang="fr-BE" smtClean="0"/>
+              <a:t>4</a:t>
+            </a:fld>
+            <a:endParaRPr lang="fr-BE"/>
+          </a:p>
+        </p:txBody>
+      </p:sp>
+    </p:spTree>
+    <p:extLst>
+      <p:ext uri="{BB962C8B-B14F-4D97-AF65-F5344CB8AC3E}">
+        <p14:creationId xmlns:p14="http://schemas.microsoft.com/office/powerpoint/2010/main" val="34345606"/>
+      </p:ext>
+    </p:extLst>
+  </p:cSld>
+  <p:clrMapOvr>
+    <a:masterClrMapping/>
+  </p:clrMapOvr>
+</p:notes>
 </file>
 
 <file path=ppt/slideLayouts/slideLayout1.xml><?xml version="1.0" encoding="utf-8"?>
@@ -244,9 +686,9 @@
           <a:bodyPr/>
           <a:lstStyle/>
           <a:p>
-            <a:fld id="{E1B75649-0C17-4362-ACBD-30800BC8B3BF}" type="datetimeFigureOut">
+            <a:fld id="{F3A6440E-D896-4EBE-80B6-C719C0416B02}" type="datetime1">
               <a:rPr lang="fr-BE" smtClean="0"/>
-              <a:t>8/06/2017</a:t>
+              <a:t>12/06/2017</a:t>
             </a:fld>
             <a:endParaRPr lang="fr-BE"/>
           </a:p>
@@ -267,6 +709,10 @@
           <a:bodyPr/>
           <a:lstStyle/>
           <a:p>
+            <a:r>
+              <a:rPr lang="fr-BE" smtClean="0"/>
+              <a:t>Présentation de la société</a:t>
+            </a:r>
             <a:endParaRPr lang="fr-BE"/>
           </a:p>
         </p:txBody>
@@ -297,7 +743,7 @@
     </p:spTree>
     <p:extLst>
       <p:ext uri="{BB962C8B-B14F-4D97-AF65-F5344CB8AC3E}">
-        <p14:creationId xmlns:p14="http://schemas.microsoft.com/office/powerpoint/2010/main" val="4221135947"/>
+        <p14:creationId xmlns:p14="http://schemas.microsoft.com/office/powerpoint/2010/main" val="1378164510"/>
       </p:ext>
     </p:extLst>
   </p:cSld>
@@ -414,9 +860,9 @@
           <a:bodyPr/>
           <a:lstStyle/>
           <a:p>
-            <a:fld id="{E1B75649-0C17-4362-ACBD-30800BC8B3BF}" type="datetimeFigureOut">
+            <a:fld id="{D7572692-5E87-40FA-A8B5-3C835E6952B1}" type="datetime1">
               <a:rPr lang="fr-BE" smtClean="0"/>
-              <a:t>8/06/2017</a:t>
+              <a:t>12/06/2017</a:t>
             </a:fld>
             <a:endParaRPr lang="fr-BE"/>
           </a:p>
@@ -437,6 +883,10 @@
           <a:bodyPr/>
           <a:lstStyle/>
           <a:p>
+            <a:r>
+              <a:rPr lang="fr-BE" smtClean="0"/>
+              <a:t>Présentation de la société</a:t>
+            </a:r>
             <a:endParaRPr lang="fr-BE"/>
           </a:p>
         </p:txBody>
@@ -467,7 +917,7 @@
     </p:spTree>
     <p:extLst>
       <p:ext uri="{BB962C8B-B14F-4D97-AF65-F5344CB8AC3E}">
-        <p14:creationId xmlns:p14="http://schemas.microsoft.com/office/powerpoint/2010/main" val="3312252356"/>
+        <p14:creationId xmlns:p14="http://schemas.microsoft.com/office/powerpoint/2010/main" val="901704753"/>
       </p:ext>
     </p:extLst>
   </p:cSld>
@@ -594,9 +1044,9 @@
           <a:bodyPr/>
           <a:lstStyle/>
           <a:p>
-            <a:fld id="{E1B75649-0C17-4362-ACBD-30800BC8B3BF}" type="datetimeFigureOut">
+            <a:fld id="{7AFF4F17-F2D9-44BD-9372-925A7DB84811}" type="datetime1">
               <a:rPr lang="fr-BE" smtClean="0"/>
-              <a:t>8/06/2017</a:t>
+              <a:t>12/06/2017</a:t>
             </a:fld>
             <a:endParaRPr lang="fr-BE"/>
           </a:p>
@@ -617,6 +1067,10 @@
           <a:bodyPr/>
           <a:lstStyle/>
           <a:p>
+            <a:r>
+              <a:rPr lang="fr-BE" smtClean="0"/>
+              <a:t>Présentation de la société</a:t>
+            </a:r>
             <a:endParaRPr lang="fr-BE"/>
           </a:p>
         </p:txBody>
@@ -647,7 +1101,7 @@
     </p:spTree>
     <p:extLst>
       <p:ext uri="{BB962C8B-B14F-4D97-AF65-F5344CB8AC3E}">
-        <p14:creationId xmlns:p14="http://schemas.microsoft.com/office/powerpoint/2010/main" val="900301220"/>
+        <p14:creationId xmlns:p14="http://schemas.microsoft.com/office/powerpoint/2010/main" val="2843733867"/>
       </p:ext>
     </p:extLst>
   </p:cSld>
@@ -764,9 +1218,9 @@
           <a:bodyPr/>
           <a:lstStyle/>
           <a:p>
-            <a:fld id="{E1B75649-0C17-4362-ACBD-30800BC8B3BF}" type="datetimeFigureOut">
+            <a:fld id="{F8DB0898-09FD-43EB-A3E9-79BBB4DAF25E}" type="datetime1">
               <a:rPr lang="fr-BE" smtClean="0"/>
-              <a:t>8/06/2017</a:t>
+              <a:t>12/06/2017</a:t>
             </a:fld>
             <a:endParaRPr lang="fr-BE"/>
           </a:p>
@@ -787,6 +1241,10 @@
           <a:bodyPr/>
           <a:lstStyle/>
           <a:p>
+            <a:r>
+              <a:rPr lang="fr-BE" smtClean="0"/>
+              <a:t>Présentation de la société</a:t>
+            </a:r>
             <a:endParaRPr lang="fr-BE"/>
           </a:p>
         </p:txBody>
@@ -817,7 +1275,7 @@
     </p:spTree>
     <p:extLst>
       <p:ext uri="{BB962C8B-B14F-4D97-AF65-F5344CB8AC3E}">
-        <p14:creationId xmlns:p14="http://schemas.microsoft.com/office/powerpoint/2010/main" val="2697889467"/>
+        <p14:creationId xmlns:p14="http://schemas.microsoft.com/office/powerpoint/2010/main" val="2144015723"/>
       </p:ext>
     </p:extLst>
   </p:cSld>
@@ -1010,9 +1468,9 @@
           <a:bodyPr/>
           <a:lstStyle/>
           <a:p>
-            <a:fld id="{E1B75649-0C17-4362-ACBD-30800BC8B3BF}" type="datetimeFigureOut">
+            <a:fld id="{EFEBC618-61AE-4EF8-9168-88DB35335FAD}" type="datetime1">
               <a:rPr lang="fr-BE" smtClean="0"/>
-              <a:t>8/06/2017</a:t>
+              <a:t>12/06/2017</a:t>
             </a:fld>
             <a:endParaRPr lang="fr-BE"/>
           </a:p>
@@ -1033,6 +1491,10 @@
           <a:bodyPr/>
           <a:lstStyle/>
           <a:p>
+            <a:r>
+              <a:rPr lang="fr-BE" smtClean="0"/>
+              <a:t>Présentation de la société</a:t>
+            </a:r>
             <a:endParaRPr lang="fr-BE"/>
           </a:p>
         </p:txBody>
@@ -1063,7 +1525,7 @@
     </p:spTree>
     <p:extLst>
       <p:ext uri="{BB962C8B-B14F-4D97-AF65-F5344CB8AC3E}">
-        <p14:creationId xmlns:p14="http://schemas.microsoft.com/office/powerpoint/2010/main" val="697684450"/>
+        <p14:creationId xmlns:p14="http://schemas.microsoft.com/office/powerpoint/2010/main" val="4253552642"/>
       </p:ext>
     </p:extLst>
   </p:cSld>
@@ -1242,9 +1704,9 @@
           <a:bodyPr/>
           <a:lstStyle/>
           <a:p>
-            <a:fld id="{E1B75649-0C17-4362-ACBD-30800BC8B3BF}" type="datetimeFigureOut">
+            <a:fld id="{A44599C7-B89F-4927-B4B8-187663D72F75}" type="datetime1">
               <a:rPr lang="fr-BE" smtClean="0"/>
-              <a:t>8/06/2017</a:t>
+              <a:t>12/06/2017</a:t>
             </a:fld>
             <a:endParaRPr lang="fr-BE"/>
           </a:p>
@@ -1265,6 +1727,10 @@
           <a:bodyPr/>
           <a:lstStyle/>
           <a:p>
+            <a:r>
+              <a:rPr lang="fr-BE" smtClean="0"/>
+              <a:t>Présentation de la société</a:t>
+            </a:r>
             <a:endParaRPr lang="fr-BE"/>
           </a:p>
         </p:txBody>
@@ -1295,7 +1761,7 @@
     </p:spTree>
     <p:extLst>
       <p:ext uri="{BB962C8B-B14F-4D97-AF65-F5344CB8AC3E}">
-        <p14:creationId xmlns:p14="http://schemas.microsoft.com/office/powerpoint/2010/main" val="2804580859"/>
+        <p14:creationId xmlns:p14="http://schemas.microsoft.com/office/powerpoint/2010/main" val="2864250641"/>
       </p:ext>
     </p:extLst>
   </p:cSld>
@@ -1609,9 +2075,9 @@
           <a:bodyPr/>
           <a:lstStyle/>
           <a:p>
-            <a:fld id="{E1B75649-0C17-4362-ACBD-30800BC8B3BF}" type="datetimeFigureOut">
+            <a:fld id="{D769AED6-9966-4A2F-8111-A2E24DADB118}" type="datetime1">
               <a:rPr lang="fr-BE" smtClean="0"/>
-              <a:t>8/06/2017</a:t>
+              <a:t>12/06/2017</a:t>
             </a:fld>
             <a:endParaRPr lang="fr-BE"/>
           </a:p>
@@ -1632,6 +2098,10 @@
           <a:bodyPr/>
           <a:lstStyle/>
           <a:p>
+            <a:r>
+              <a:rPr lang="fr-BE" smtClean="0"/>
+              <a:t>Présentation de la société</a:t>
+            </a:r>
             <a:endParaRPr lang="fr-BE"/>
           </a:p>
         </p:txBody>
@@ -1662,7 +2132,7 @@
     </p:spTree>
     <p:extLst>
       <p:ext uri="{BB962C8B-B14F-4D97-AF65-F5344CB8AC3E}">
-        <p14:creationId xmlns:p14="http://schemas.microsoft.com/office/powerpoint/2010/main" val="486252835"/>
+        <p14:creationId xmlns:p14="http://schemas.microsoft.com/office/powerpoint/2010/main" val="2855362870"/>
       </p:ext>
     </p:extLst>
   </p:cSld>
@@ -1727,9 +2197,9 @@
           <a:bodyPr/>
           <a:lstStyle/>
           <a:p>
-            <a:fld id="{E1B75649-0C17-4362-ACBD-30800BC8B3BF}" type="datetimeFigureOut">
+            <a:fld id="{C35435EF-B4BA-42AC-97FB-7C833728DF51}" type="datetime1">
               <a:rPr lang="fr-BE" smtClean="0"/>
-              <a:t>8/06/2017</a:t>
+              <a:t>12/06/2017</a:t>
             </a:fld>
             <a:endParaRPr lang="fr-BE"/>
           </a:p>
@@ -1750,6 +2220,10 @@
           <a:bodyPr/>
           <a:lstStyle/>
           <a:p>
+            <a:r>
+              <a:rPr lang="fr-BE" smtClean="0"/>
+              <a:t>Présentation de la société</a:t>
+            </a:r>
             <a:endParaRPr lang="fr-BE"/>
           </a:p>
         </p:txBody>
@@ -1780,7 +2254,7 @@
     </p:spTree>
     <p:extLst>
       <p:ext uri="{BB962C8B-B14F-4D97-AF65-F5344CB8AC3E}">
-        <p14:creationId xmlns:p14="http://schemas.microsoft.com/office/powerpoint/2010/main" val="2331696697"/>
+        <p14:creationId xmlns:p14="http://schemas.microsoft.com/office/powerpoint/2010/main" val="413536572"/>
       </p:ext>
     </p:extLst>
   </p:cSld>
@@ -1822,9 +2296,9 @@
           <a:bodyPr/>
           <a:lstStyle/>
           <a:p>
-            <a:fld id="{E1B75649-0C17-4362-ACBD-30800BC8B3BF}" type="datetimeFigureOut">
+            <a:fld id="{0B79C94B-D897-41F2-93B7-353BD241730D}" type="datetime1">
               <a:rPr lang="fr-BE" smtClean="0"/>
-              <a:t>8/06/2017</a:t>
+              <a:t>12/06/2017</a:t>
             </a:fld>
             <a:endParaRPr lang="fr-BE"/>
           </a:p>
@@ -1845,6 +2319,10 @@
           <a:bodyPr/>
           <a:lstStyle/>
           <a:p>
+            <a:r>
+              <a:rPr lang="fr-BE" smtClean="0"/>
+              <a:t>Présentation de la société</a:t>
+            </a:r>
             <a:endParaRPr lang="fr-BE"/>
           </a:p>
         </p:txBody>
@@ -1875,7 +2353,7 @@
     </p:spTree>
     <p:extLst>
       <p:ext uri="{BB962C8B-B14F-4D97-AF65-F5344CB8AC3E}">
-        <p14:creationId xmlns:p14="http://schemas.microsoft.com/office/powerpoint/2010/main" val="457976194"/>
+        <p14:creationId xmlns:p14="http://schemas.microsoft.com/office/powerpoint/2010/main" val="4285099220"/>
       </p:ext>
     </p:extLst>
   </p:cSld>
@@ -2099,9 +2577,9 @@
           <a:bodyPr/>
           <a:lstStyle/>
           <a:p>
-            <a:fld id="{E1B75649-0C17-4362-ACBD-30800BC8B3BF}" type="datetimeFigureOut">
+            <a:fld id="{5A748B03-6DBB-483C-8AA5-D4C3E9CEAA5F}" type="datetime1">
               <a:rPr lang="fr-BE" smtClean="0"/>
-              <a:t>8/06/2017</a:t>
+              <a:t>12/06/2017</a:t>
             </a:fld>
             <a:endParaRPr lang="fr-BE"/>
           </a:p>
@@ -2122,6 +2600,10 @@
           <a:bodyPr/>
           <a:lstStyle/>
           <a:p>
+            <a:r>
+              <a:rPr lang="fr-BE" smtClean="0"/>
+              <a:t>Présentation de la société</a:t>
+            </a:r>
             <a:endParaRPr lang="fr-BE"/>
           </a:p>
         </p:txBody>
@@ -2152,7 +2634,7 @@
     </p:spTree>
     <p:extLst>
       <p:ext uri="{BB962C8B-B14F-4D97-AF65-F5344CB8AC3E}">
-        <p14:creationId xmlns:p14="http://schemas.microsoft.com/office/powerpoint/2010/main" val="3341593321"/>
+        <p14:creationId xmlns:p14="http://schemas.microsoft.com/office/powerpoint/2010/main" val="3912603865"/>
       </p:ext>
     </p:extLst>
   </p:cSld>
@@ -2352,9 +2834,9 @@
           <a:bodyPr/>
           <a:lstStyle/>
           <a:p>
-            <a:fld id="{E1B75649-0C17-4362-ACBD-30800BC8B3BF}" type="datetimeFigureOut">
+            <a:fld id="{DD3CE37D-BDCF-4DB9-9018-D94D92507C1A}" type="datetime1">
               <a:rPr lang="fr-BE" smtClean="0"/>
-              <a:t>8/06/2017</a:t>
+              <a:t>12/06/2017</a:t>
             </a:fld>
             <a:endParaRPr lang="fr-BE"/>
           </a:p>
@@ -2405,7 +2887,7 @@
     </p:spTree>
     <p:extLst>
       <p:ext uri="{BB962C8B-B14F-4D97-AF65-F5344CB8AC3E}">
-        <p14:creationId xmlns:p14="http://schemas.microsoft.com/office/powerpoint/2010/main" val="1412888002"/>
+        <p14:creationId xmlns:p14="http://schemas.microsoft.com/office/powerpoint/2010/main" val="1001344819"/>
       </p:ext>
     </p:extLst>
   </p:cSld>
@@ -2565,9 +3047,9 @@
             </a:lvl1pPr>
           </a:lstStyle>
           <a:p>
-            <a:fld id="{E1B75649-0C17-4362-ACBD-30800BC8B3BF}" type="datetimeFigureOut">
+            <a:fld id="{0CFA398B-BF36-4AE8-ABFC-0516CAE56C0B}" type="datetime1">
               <a:rPr lang="fr-BE" smtClean="0"/>
-              <a:t>8/06/2017</a:t>
+              <a:t>12/06/2017</a:t>
             </a:fld>
             <a:endParaRPr lang="fr-BE"/>
           </a:p>
@@ -2606,6 +3088,10 @@
             </a:lvl1pPr>
           </a:lstStyle>
           <a:p>
+            <a:r>
+              <a:rPr lang="fr-BE" smtClean="0"/>
+              <a:t>Présentation de la société</a:t>
+            </a:r>
             <a:endParaRPr lang="fr-BE"/>
           </a:p>
         </p:txBody>
@@ -2654,24 +3140,25 @@
     </p:spTree>
     <p:extLst>
       <p:ext uri="{BB962C8B-B14F-4D97-AF65-F5344CB8AC3E}">
-        <p14:creationId xmlns:p14="http://schemas.microsoft.com/office/powerpoint/2010/main" val="2828294449"/>
+        <p14:creationId xmlns:p14="http://schemas.microsoft.com/office/powerpoint/2010/main" val="956525652"/>
       </p:ext>
     </p:extLst>
   </p:cSld>
   <p:clrMap bg1="lt1" tx1="dk1" bg2="lt2" tx2="dk2" accent1="accent1" accent2="accent2" accent3="accent3" accent4="accent4" accent5="accent5" accent6="accent6" hlink="hlink" folHlink="folHlink"/>
   <p:sldLayoutIdLst>
-    <p:sldLayoutId id="2147483649" r:id="rId1"/>
-    <p:sldLayoutId id="2147483650" r:id="rId2"/>
-    <p:sldLayoutId id="2147483651" r:id="rId3"/>
-    <p:sldLayoutId id="2147483652" r:id="rId4"/>
-    <p:sldLayoutId id="2147483653" r:id="rId5"/>
-    <p:sldLayoutId id="2147483654" r:id="rId6"/>
-    <p:sldLayoutId id="2147483655" r:id="rId7"/>
-    <p:sldLayoutId id="2147483656" r:id="rId8"/>
-    <p:sldLayoutId id="2147483657" r:id="rId9"/>
-    <p:sldLayoutId id="2147483658" r:id="rId10"/>
-    <p:sldLayoutId id="2147483659" r:id="rId11"/>
+    <p:sldLayoutId id="2147483953" r:id="rId1"/>
+    <p:sldLayoutId id="2147483954" r:id="rId2"/>
+    <p:sldLayoutId id="2147483955" r:id="rId3"/>
+    <p:sldLayoutId id="2147483956" r:id="rId4"/>
+    <p:sldLayoutId id="2147483957" r:id="rId5"/>
+    <p:sldLayoutId id="2147483958" r:id="rId6"/>
+    <p:sldLayoutId id="2147483959" r:id="rId7"/>
+    <p:sldLayoutId id="2147483960" r:id="rId8"/>
+    <p:sldLayoutId id="2147483961" r:id="rId9"/>
+    <p:sldLayoutId id="2147483962" r:id="rId10"/>
+    <p:sldLayoutId id="2147483963" r:id="rId11"/>
   </p:sldLayoutIdLst>
+  <p:hf hdr="0" ftr="0" dt="0"/>
   <p:txStyles>
     <p:titleStyle>
       <a:lvl1pPr algn="l" defTabSz="914400" rtl="0" eaLnBrk="1" latinLnBrk="0" hangingPunct="1">
@@ -2982,6 +3469,173 @@
             <p:ph type="ctrTitle"/>
           </p:nvPr>
         </p:nvSpPr>
+        <p:spPr>
+          <a:xfrm>
+            <a:off x="1524000" y="3162300"/>
+            <a:ext cx="9144000" cy="2039938"/>
+          </a:xfrm>
+        </p:spPr>
+        <p:txBody>
+          <a:bodyPr>
+            <a:normAutofit fontScale="90000"/>
+          </a:bodyPr>
+          <a:lstStyle/>
+          <a:p>
+            <a:r>
+              <a:rPr lang="fr-BE" sz="3600" b="1" dirty="0" smtClean="0">
+                <a:effectLst>
+                  <a:outerShdw blurRad="38100" dist="38100" dir="2700000" algn="tl">
+                    <a:srgbClr val="000000">
+                      <a:alpha val="43137"/>
+                    </a:srgbClr>
+                  </a:outerShdw>
+                </a:effectLst>
+              </a:rPr>
+              <a:t>Analyse et développement de widgets en </a:t>
+            </a:r>
+            <a:br>
+              <a:rPr lang="fr-BE" sz="3600" b="1" dirty="0" smtClean="0">
+                <a:effectLst>
+                  <a:outerShdw blurRad="38100" dist="38100" dir="2700000" algn="tl">
+                    <a:srgbClr val="000000">
+                      <a:alpha val="43137"/>
+                    </a:srgbClr>
+                  </a:outerShdw>
+                </a:effectLst>
+              </a:rPr>
+            </a:br>
+            <a:r>
+              <a:rPr lang="fr-BE" sz="3600" b="1" dirty="0" smtClean="0">
+                <a:effectLst>
+                  <a:outerShdw blurRad="38100" dist="38100" dir="2700000" algn="tl">
+                    <a:srgbClr val="000000">
+                      <a:alpha val="43137"/>
+                    </a:srgbClr>
+                  </a:outerShdw>
+                </a:effectLst>
+              </a:rPr>
+              <a:t>Java avec </a:t>
+            </a:r>
+            <a:r>
+              <a:rPr lang="fr-BE" sz="3600" b="1" dirty="0" err="1" smtClean="0">
+                <a:effectLst>
+                  <a:outerShdw blurRad="38100" dist="38100" dir="2700000" algn="tl">
+                    <a:srgbClr val="000000">
+                      <a:alpha val="43137"/>
+                    </a:srgbClr>
+                  </a:outerShdw>
+                </a:effectLst>
+              </a:rPr>
+              <a:t>Vaadin</a:t>
+            </a:r>
+            <a:r>
+              <a:rPr lang="fr-BE" sz="3600" b="1" dirty="0" smtClean="0">
+                <a:effectLst>
+                  <a:outerShdw blurRad="38100" dist="38100" dir="2700000" algn="tl">
+                    <a:srgbClr val="000000">
+                      <a:alpha val="43137"/>
+                    </a:srgbClr>
+                  </a:outerShdw>
+                </a:effectLst>
+              </a:rPr>
+              <a:t> Framework dans le </a:t>
+            </a:r>
+            <a:br>
+              <a:rPr lang="fr-BE" sz="3600" b="1" dirty="0" smtClean="0">
+                <a:effectLst>
+                  <a:outerShdw blurRad="38100" dist="38100" dir="2700000" algn="tl">
+                    <a:srgbClr val="000000">
+                      <a:alpha val="43137"/>
+                    </a:srgbClr>
+                  </a:outerShdw>
+                </a:effectLst>
+              </a:rPr>
+            </a:br>
+            <a:r>
+              <a:rPr lang="fr-BE" sz="3600" b="1" dirty="0" smtClean="0">
+                <a:effectLst>
+                  <a:outerShdw blurRad="38100" dist="38100" dir="2700000" algn="tl">
+                    <a:srgbClr val="000000">
+                      <a:alpha val="43137"/>
+                    </a:srgbClr>
+                  </a:outerShdw>
+                </a:effectLst>
+              </a:rPr>
+              <a:t>cadre d'une application de gestion de </a:t>
+            </a:r>
+            <a:br>
+              <a:rPr lang="fr-BE" sz="3600" b="1" dirty="0" smtClean="0">
+                <a:effectLst>
+                  <a:outerShdw blurRad="38100" dist="38100" dir="2700000" algn="tl">
+                    <a:srgbClr val="000000">
+                      <a:alpha val="43137"/>
+                    </a:srgbClr>
+                  </a:outerShdw>
+                </a:effectLst>
+              </a:rPr>
+            </a:br>
+            <a:r>
+              <a:rPr lang="fr-BE" sz="3600" b="1" dirty="0" smtClean="0">
+                <a:effectLst>
+                  <a:outerShdw blurRad="38100" dist="38100" dir="2700000" algn="tl">
+                    <a:srgbClr val="000000">
+                      <a:alpha val="43137"/>
+                    </a:srgbClr>
+                  </a:outerShdw>
+                </a:effectLst>
+              </a:rPr>
+              <a:t>données spatiales en temps réel </a:t>
+            </a:r>
+            <a:endParaRPr lang="fr-BE" sz="3600" b="1" dirty="0">
+              <a:effectLst>
+                <a:outerShdw blurRad="38100" dist="38100" dir="2700000" algn="tl">
+                  <a:srgbClr val="000000">
+                    <a:alpha val="43137"/>
+                  </a:srgbClr>
+                </a:outerShdw>
+              </a:effectLst>
+            </a:endParaRPr>
+          </a:p>
+        </p:txBody>
+      </p:sp>
+      <p:sp>
+        <p:nvSpPr>
+          <p:cNvPr id="3" name="Sous-titre 2"/>
+          <p:cNvSpPr>
+            <a:spLocks noGrp="1"/>
+          </p:cNvSpPr>
+          <p:nvPr>
+            <p:ph type="subTitle" idx="1"/>
+          </p:nvPr>
+        </p:nvSpPr>
+        <p:spPr>
+          <a:xfrm>
+            <a:off x="4924425" y="5307768"/>
+            <a:ext cx="2343150" cy="921582"/>
+          </a:xfrm>
+        </p:spPr>
+        <p:txBody>
+          <a:bodyPr/>
+          <a:lstStyle/>
+          <a:p>
+            <a:r>
+              <a:rPr lang="fr-FR" dirty="0" smtClean="0"/>
+              <a:t>Lazrak Yassin </a:t>
+            </a:r>
+            <a:endParaRPr lang="fr-BE" dirty="0"/>
+          </a:p>
+        </p:txBody>
+      </p:sp>
+      <p:sp>
+        <p:nvSpPr>
+          <p:cNvPr id="6" name="Espace réservé du numéro de diapositive 5"/>
+          <p:cNvSpPr>
+            <a:spLocks noGrp="1"/>
+          </p:cNvSpPr>
+          <p:nvPr>
+            <p:ph type="sldNum" sz="quarter" idx="12"/>
+          </p:nvPr>
+        </p:nvSpPr>
         <p:spPr/>
         <p:txBody>
           <a:bodyPr>
@@ -2989,66 +3643,44 @@
           </a:bodyPr>
           <a:lstStyle/>
           <a:p>
-            <a:r>
-              <a:rPr lang="fr-BE" sz="3600" dirty="0" smtClean="0"/>
-              <a:t>Analyse et développement de widgets en </a:t>
-            </a:r>
-            <a:br>
-              <a:rPr lang="fr-BE" sz="3600" dirty="0" smtClean="0"/>
-            </a:br>
-            <a:r>
-              <a:rPr lang="fr-BE" sz="3600" dirty="0" smtClean="0"/>
-              <a:t>Java avec </a:t>
-            </a:r>
-            <a:r>
-              <a:rPr lang="fr-BE" sz="3600" dirty="0" err="1" smtClean="0"/>
-              <a:t>Vaadin</a:t>
-            </a:r>
-            <a:r>
-              <a:rPr lang="fr-BE" sz="3600" dirty="0" smtClean="0"/>
-              <a:t> Framework dans le </a:t>
-            </a:r>
-            <a:br>
-              <a:rPr lang="fr-BE" sz="3600" dirty="0" smtClean="0"/>
-            </a:br>
-            <a:r>
-              <a:rPr lang="fr-BE" sz="3600" dirty="0" smtClean="0"/>
-              <a:t>cadre d'une application de gestion de </a:t>
-            </a:r>
-            <a:br>
-              <a:rPr lang="fr-BE" sz="3600" dirty="0" smtClean="0"/>
-            </a:br>
-            <a:r>
-              <a:rPr lang="fr-BE" sz="3600" dirty="0" smtClean="0"/>
-              <a:t>données spatiales en temps réel </a:t>
-            </a:r>
-            <a:endParaRPr lang="fr-BE" sz="3600" dirty="0"/>
-          </a:p>
-        </p:txBody>
-      </p:sp>
-      <p:sp>
-        <p:nvSpPr>
-          <p:cNvPr id="3" name="Sous-titre 2"/>
-          <p:cNvSpPr>
-            <a:spLocks noGrp="1"/>
-          </p:cNvSpPr>
-          <p:nvPr>
-            <p:ph type="subTitle" idx="1"/>
-          </p:nvPr>
-        </p:nvSpPr>
-        <p:spPr/>
-        <p:txBody>
-          <a:bodyPr/>
-          <a:lstStyle/>
-          <a:p>
-            <a:r>
-              <a:rPr lang="fr-FR" dirty="0" smtClean="0"/>
-              <a:t>Lazrak Yassin </a:t>
-            </a:r>
-            <a:endParaRPr lang="fr-BE" dirty="0"/>
-          </a:p>
-        </p:txBody>
-      </p:sp>
+            <a:fld id="{4C3DFDC2-EA36-43E7-8576-C0047262A453}" type="slidenum">
+              <a:rPr lang="fr-BE" smtClean="0"/>
+              <a:t>1</a:t>
+            </a:fld>
+            <a:endParaRPr lang="fr-BE"/>
+          </a:p>
+        </p:txBody>
+      </p:sp>
+      <p:pic>
+        <p:nvPicPr>
+          <p:cNvPr id="4" name="Image 3"/>
+          <p:cNvPicPr>
+            <a:picLocks noChangeAspect="1"/>
+          </p:cNvPicPr>
+          <p:nvPr/>
+        </p:nvPicPr>
+        <p:blipFill>
+          <a:blip r:embed="rId2" cstate="print">
+            <a:extLst>
+              <a:ext uri="{28A0092B-C50C-407E-A947-70E740481C1C}">
+                <a14:useLocalDpi xmlns:a14="http://schemas.microsoft.com/office/drawing/2010/main" val="0"/>
+              </a:ext>
+            </a:extLst>
+          </a:blip>
+          <a:stretch>
+            <a:fillRect/>
+          </a:stretch>
+        </p:blipFill>
+        <p:spPr>
+          <a:xfrm>
+            <a:off x="2210554" y="-61912"/>
+            <a:ext cx="7199391" cy="3599695"/>
+          </a:xfrm>
+          <a:prstGeom prst="rect">
+            <a:avLst/>
+          </a:prstGeom>
+        </p:spPr>
+      </p:pic>
     </p:spTree>
     <p:extLst>
       <p:ext uri="{BB962C8B-B14F-4D97-AF65-F5344CB8AC3E}">
@@ -3091,8 +3723,8 @@
         </p:nvSpPr>
         <p:spPr>
           <a:xfrm>
-            <a:off x="838200" y="529389"/>
-            <a:ext cx="10515600" cy="5647574"/>
+            <a:off x="838200" y="1152524"/>
+            <a:ext cx="10515600" cy="4310063"/>
           </a:xfrm>
         </p:spPr>
         <p:txBody>
@@ -3115,6 +3747,7 @@
               <a:rPr lang="fr-FR" dirty="0" smtClean="0"/>
               <a:t>Présentation de l’analyse</a:t>
             </a:r>
+            <a:endParaRPr lang="fr-FR" dirty="0" smtClean="0"/>
           </a:p>
           <a:p>
             <a:r>
@@ -3128,6 +3761,61 @@
               <a:t>Conclusion</a:t>
             </a:r>
             <a:endParaRPr lang="fr-BE" dirty="0"/>
+          </a:p>
+        </p:txBody>
+      </p:sp>
+      <p:sp>
+        <p:nvSpPr>
+          <p:cNvPr id="5" name="Espace réservé du numéro de diapositive 4"/>
+          <p:cNvSpPr>
+            <a:spLocks noGrp="1"/>
+          </p:cNvSpPr>
+          <p:nvPr>
+            <p:ph type="sldNum" sz="quarter" idx="12"/>
+          </p:nvPr>
+        </p:nvSpPr>
+        <p:spPr/>
+        <p:txBody>
+          <a:bodyPr>
+            <a:normAutofit/>
+          </a:bodyPr>
+          <a:lstStyle/>
+          <a:p>
+            <a:fld id="{4C3DFDC2-EA36-43E7-8576-C0047262A453}" type="slidenum">
+              <a:rPr lang="fr-BE" smtClean="0"/>
+              <a:t>2</a:t>
+            </a:fld>
+            <a:endParaRPr lang="fr-BE"/>
+          </a:p>
+        </p:txBody>
+      </p:sp>
+      <p:sp>
+        <p:nvSpPr>
+          <p:cNvPr id="2" name="ZoneTexte 1"/>
+          <p:cNvSpPr txBox="1"/>
+          <p:nvPr/>
+        </p:nvSpPr>
+        <p:spPr>
+          <a:xfrm>
+            <a:off x="4476750" y="533399"/>
+            <a:ext cx="3238500" cy="523220"/>
+          </a:xfrm>
+          <a:prstGeom prst="rect">
+            <a:avLst/>
+          </a:prstGeom>
+          <a:noFill/>
+        </p:spPr>
+        <p:txBody>
+          <a:bodyPr wrap="square" rtlCol="0">
+            <a:spAutoFit/>
+          </a:bodyPr>
+          <a:lstStyle/>
+          <a:p>
+            <a:r>
+              <a:rPr lang="fr-FR" sz="2800" dirty="0" smtClean="0"/>
+              <a:t>Sommaire</a:t>
+            </a:r>
+            <a:endParaRPr lang="fr-BE" sz="2800" dirty="0"/>
           </a:p>
         </p:txBody>
       </p:sp>
@@ -3213,6 +3901,31 @@
           </a:p>
         </p:txBody>
       </p:sp>
+      <p:sp>
+        <p:nvSpPr>
+          <p:cNvPr id="4" name="Espace réservé du numéro de diapositive 3"/>
+          <p:cNvSpPr>
+            <a:spLocks noGrp="1"/>
+          </p:cNvSpPr>
+          <p:nvPr>
+            <p:ph type="sldNum" sz="quarter" idx="12"/>
+          </p:nvPr>
+        </p:nvSpPr>
+        <p:spPr/>
+        <p:txBody>
+          <a:bodyPr>
+            <a:normAutofit/>
+          </a:bodyPr>
+          <a:lstStyle/>
+          <a:p>
+            <a:fld id="{4C3DFDC2-EA36-43E7-8576-C0047262A453}" type="slidenum">
+              <a:rPr lang="fr-BE" smtClean="0"/>
+              <a:t>3</a:t>
+            </a:fld>
+            <a:endParaRPr lang="fr-BE"/>
+          </a:p>
+        </p:txBody>
+      </p:sp>
     </p:spTree>
     <p:extLst>
       <p:ext uri="{BB962C8B-B14F-4D97-AF65-F5344CB8AC3E}">
@@ -3294,6 +4007,31 @@
           </a:p>
         </p:txBody>
       </p:sp>
+      <p:sp>
+        <p:nvSpPr>
+          <p:cNvPr id="5" name="Espace réservé du numéro de diapositive 4"/>
+          <p:cNvSpPr>
+            <a:spLocks noGrp="1"/>
+          </p:cNvSpPr>
+          <p:nvPr>
+            <p:ph type="sldNum" sz="quarter" idx="12"/>
+          </p:nvPr>
+        </p:nvSpPr>
+        <p:spPr/>
+        <p:txBody>
+          <a:bodyPr>
+            <a:normAutofit/>
+          </a:bodyPr>
+          <a:lstStyle/>
+          <a:p>
+            <a:fld id="{4C3DFDC2-EA36-43E7-8576-C0047262A453}" type="slidenum">
+              <a:rPr lang="fr-BE" smtClean="0"/>
+              <a:t>4</a:t>
+            </a:fld>
+            <a:endParaRPr lang="fr-BE"/>
+          </a:p>
+        </p:txBody>
+      </p:sp>
     </p:spTree>
     <p:extLst>
       <p:ext uri="{BB962C8B-B14F-4D97-AF65-F5344CB8AC3E}">
@@ -3376,6 +4114,31 @@
           </a:p>
         </p:txBody>
       </p:sp>
+      <p:sp>
+        <p:nvSpPr>
+          <p:cNvPr id="4" name="Espace réservé du numéro de diapositive 3"/>
+          <p:cNvSpPr>
+            <a:spLocks noGrp="1"/>
+          </p:cNvSpPr>
+          <p:nvPr>
+            <p:ph type="sldNum" sz="quarter" idx="12"/>
+          </p:nvPr>
+        </p:nvSpPr>
+        <p:spPr/>
+        <p:txBody>
+          <a:bodyPr>
+            <a:normAutofit/>
+          </a:bodyPr>
+          <a:lstStyle/>
+          <a:p>
+            <a:fld id="{4C3DFDC2-EA36-43E7-8576-C0047262A453}" type="slidenum">
+              <a:rPr lang="fr-BE" smtClean="0"/>
+              <a:t>5</a:t>
+            </a:fld>
+            <a:endParaRPr lang="fr-BE"/>
+          </a:p>
+        </p:txBody>
+      </p:sp>
     </p:spTree>
     <p:extLst>
       <p:ext uri="{BB962C8B-B14F-4D97-AF65-F5344CB8AC3E}">
@@ -3464,6 +4227,31 @@
           </a:p>
         </p:txBody>
       </p:sp>
+      <p:sp>
+        <p:nvSpPr>
+          <p:cNvPr id="5" name="Espace réservé du numéro de diapositive 4"/>
+          <p:cNvSpPr>
+            <a:spLocks noGrp="1"/>
+          </p:cNvSpPr>
+          <p:nvPr>
+            <p:ph type="sldNum" sz="quarter" idx="12"/>
+          </p:nvPr>
+        </p:nvSpPr>
+        <p:spPr/>
+        <p:txBody>
+          <a:bodyPr>
+            <a:normAutofit/>
+          </a:bodyPr>
+          <a:lstStyle/>
+          <a:p>
+            <a:fld id="{4C3DFDC2-EA36-43E7-8576-C0047262A453}" type="slidenum">
+              <a:rPr lang="fr-BE" smtClean="0"/>
+              <a:t>6</a:t>
+            </a:fld>
+            <a:endParaRPr lang="fr-BE"/>
+          </a:p>
+        </p:txBody>
+      </p:sp>
     </p:spTree>
     <p:extLst>
       <p:ext uri="{BB962C8B-B14F-4D97-AF65-F5344CB8AC3E}">
@@ -3546,6 +4334,31 @@
           </a:p>
         </p:txBody>
       </p:sp>
+      <p:sp>
+        <p:nvSpPr>
+          <p:cNvPr id="4" name="Espace réservé du numéro de diapositive 3"/>
+          <p:cNvSpPr>
+            <a:spLocks noGrp="1"/>
+          </p:cNvSpPr>
+          <p:nvPr>
+            <p:ph type="sldNum" sz="quarter" idx="12"/>
+          </p:nvPr>
+        </p:nvSpPr>
+        <p:spPr/>
+        <p:txBody>
+          <a:bodyPr>
+            <a:normAutofit/>
+          </a:bodyPr>
+          <a:lstStyle/>
+          <a:p>
+            <a:fld id="{4C3DFDC2-EA36-43E7-8576-C0047262A453}" type="slidenum">
+              <a:rPr lang="fr-BE" smtClean="0"/>
+              <a:t>7</a:t>
+            </a:fld>
+            <a:endParaRPr lang="fr-BE"/>
+          </a:p>
+        </p:txBody>
+      </p:sp>
     </p:spTree>
     <p:extLst>
       <p:ext uri="{BB962C8B-B14F-4D97-AF65-F5344CB8AC3E}">
@@ -3628,6 +4441,31 @@
           </a:p>
         </p:txBody>
       </p:sp>
+      <p:sp>
+        <p:nvSpPr>
+          <p:cNvPr id="4" name="Espace réservé du numéro de diapositive 3"/>
+          <p:cNvSpPr>
+            <a:spLocks noGrp="1"/>
+          </p:cNvSpPr>
+          <p:nvPr>
+            <p:ph type="sldNum" sz="quarter" idx="12"/>
+          </p:nvPr>
+        </p:nvSpPr>
+        <p:spPr/>
+        <p:txBody>
+          <a:bodyPr>
+            <a:normAutofit/>
+          </a:bodyPr>
+          <a:lstStyle/>
+          <a:p>
+            <a:fld id="{4C3DFDC2-EA36-43E7-8576-C0047262A453}" type="slidenum">
+              <a:rPr lang="fr-BE" smtClean="0"/>
+              <a:t>8</a:t>
+            </a:fld>
+            <a:endParaRPr lang="fr-BE"/>
+          </a:p>
+        </p:txBody>
+      </p:sp>
     </p:spTree>
     <p:extLst>
       <p:ext uri="{BB962C8B-B14F-4D97-AF65-F5344CB8AC3E}">
@@ -3707,6 +4545,31 @@
               <a:t>Conclusion</a:t>
             </a:r>
             <a:endParaRPr lang="fr-BE" b="1" dirty="0"/>
+          </a:p>
+        </p:txBody>
+      </p:sp>
+      <p:sp>
+        <p:nvSpPr>
+          <p:cNvPr id="4" name="Espace réservé du numéro de diapositive 3"/>
+          <p:cNvSpPr>
+            <a:spLocks noGrp="1"/>
+          </p:cNvSpPr>
+          <p:nvPr>
+            <p:ph type="sldNum" sz="quarter" idx="12"/>
+          </p:nvPr>
+        </p:nvSpPr>
+        <p:spPr/>
+        <p:txBody>
+          <a:bodyPr>
+            <a:normAutofit/>
+          </a:bodyPr>
+          <a:lstStyle/>
+          <a:p>
+            <a:fld id="{4C3DFDC2-EA36-43E7-8576-C0047262A453}" type="slidenum">
+              <a:rPr lang="fr-BE" smtClean="0"/>
+              <a:t>9</a:t>
+            </a:fld>
+            <a:endParaRPr lang="fr-BE"/>
           </a:p>
         </p:txBody>
       </p:sp>
@@ -3982,4 +4845,265 @@
     </a:ext>
   </a:extLst>
 </a:theme>
+</file>
+
+<file path=ppt/theme/theme2.xml><?xml version="1.0" encoding="utf-8"?>
+<a:theme xmlns:a="http://schemas.openxmlformats.org/drawingml/2006/main" name="Thème Office">
+  <a:themeElements>
+    <a:clrScheme name="Office">
+      <a:dk1>
+        <a:sysClr val="windowText" lastClr="000000"/>
+      </a:dk1>
+      <a:lt1>
+        <a:sysClr val="window" lastClr="FFFFFF"/>
+      </a:lt1>
+      <a:dk2>
+        <a:srgbClr val="44546A"/>
+      </a:dk2>
+      <a:lt2>
+        <a:srgbClr val="E7E6E6"/>
+      </a:lt2>
+      <a:accent1>
+        <a:srgbClr val="5B9BD5"/>
+      </a:accent1>
+      <a:accent2>
+        <a:srgbClr val="ED7D31"/>
+      </a:accent2>
+      <a:accent3>
+        <a:srgbClr val="A5A5A5"/>
+      </a:accent3>
+      <a:accent4>
+        <a:srgbClr val="FFC000"/>
+      </a:accent4>
+      <a:accent5>
+        <a:srgbClr val="4472C4"/>
+      </a:accent5>
+      <a:accent6>
+        <a:srgbClr val="70AD47"/>
+      </a:accent6>
+      <a:hlink>
+        <a:srgbClr val="0563C1"/>
+      </a:hlink>
+      <a:folHlink>
+        <a:srgbClr val="954F72"/>
+      </a:folHlink>
+    </a:clrScheme>
+    <a:fontScheme name="Office">
+      <a:majorFont>
+        <a:latin typeface="Calibri Light" panose="020F0302020204030204"/>
+        <a:ea typeface=""/>
+        <a:cs typeface=""/>
+        <a:font script="Jpan" typeface="ＭＳ Ｐゴシック"/>
+        <a:font script="Hang" typeface="맑은 고딕"/>
+        <a:font script="Hans" typeface="宋体"/>
+        <a:font script="Hant" typeface="新細明體"/>
+        <a:font script="Arab" typeface="Times New Roman"/>
+        <a:font script="Hebr" typeface="Times New Roman"/>
+        <a:font script="Thai" typeface="Angsana New"/>
+        <a:font script="Ethi" typeface="Nyala"/>
+        <a:font script="Beng" typeface="Vrinda"/>
+        <a:font script="Gujr" typeface="Shruti"/>
+        <a:font script="Khmr" typeface="MoolBoran"/>
+        <a:font script="Knda" typeface="Tunga"/>
+        <a:font script="Guru" typeface="Raavi"/>
+        <a:font script="Cans" typeface="Euphemia"/>
+        <a:font script="Cher" typeface="Plantagenet Cherokee"/>
+        <a:font script="Yiii" typeface="Microsoft Yi Baiti"/>
+        <a:font script="Tibt" typeface="Microsoft Himalaya"/>
+        <a:font script="Thaa" typeface="MV Boli"/>
+        <a:font script="Deva" typeface="Mangal"/>
+        <a:font script="Telu" typeface="Gautami"/>
+        <a:font script="Taml" typeface="Latha"/>
+        <a:font script="Syrc" typeface="Estrangelo Edessa"/>
+        <a:font script="Orya" typeface="Kalinga"/>
+        <a:font script="Mlym" typeface="Kartika"/>
+        <a:font script="Laoo" typeface="DokChampa"/>
+        <a:font script="Sinh" typeface="Iskoola Pota"/>
+        <a:font script="Mong" typeface="Mongolian Baiti"/>
+        <a:font script="Viet" typeface="Times New Roman"/>
+        <a:font script="Uigh" typeface="Microsoft Uighur"/>
+        <a:font script="Geor" typeface="Sylfaen"/>
+      </a:majorFont>
+      <a:minorFont>
+        <a:latin typeface="Calibri" panose="020F0502020204030204"/>
+        <a:ea typeface=""/>
+        <a:cs typeface=""/>
+        <a:font script="Jpan" typeface="ＭＳ Ｐゴシック"/>
+        <a:font script="Hang" typeface="맑은 고딕"/>
+        <a:font script="Hans" typeface="宋体"/>
+        <a:font script="Hant" typeface="新細明體"/>
+        <a:font script="Arab" typeface="Arial"/>
+        <a:font script="Hebr" typeface="Arial"/>
+        <a:font script="Thai" typeface="Cordia New"/>
+        <a:font script="Ethi" typeface="Nyala"/>
+        <a:font script="Beng" typeface="Vrinda"/>
+        <a:font script="Gujr" typeface="Shruti"/>
+        <a:font script="Khmr" typeface="DaunPenh"/>
+        <a:font script="Knda" typeface="Tunga"/>
+        <a:font script="Guru" typeface="Raavi"/>
+        <a:font script="Cans" typeface="Euphemia"/>
+        <a:font script="Cher" typeface="Plantagenet Cherokee"/>
+        <a:font script="Yiii" typeface="Microsoft Yi Baiti"/>
+        <a:font script="Tibt" typeface="Microsoft Himalaya"/>
+        <a:font script="Thaa" typeface="MV Boli"/>
+        <a:font script="Deva" typeface="Mangal"/>
+        <a:font script="Telu" typeface="Gautami"/>
+        <a:font script="Taml" typeface="Latha"/>
+        <a:font script="Syrc" typeface="Estrangelo Edessa"/>
+        <a:font script="Orya" typeface="Kalinga"/>
+        <a:font script="Mlym" typeface="Kartika"/>
+        <a:font script="Laoo" typeface="DokChampa"/>
+        <a:font script="Sinh" typeface="Iskoola Pota"/>
+        <a:font script="Mong" typeface="Mongolian Baiti"/>
+        <a:font script="Viet" typeface="Arial"/>
+        <a:font script="Uigh" typeface="Microsoft Uighur"/>
+        <a:font script="Geor" typeface="Sylfaen"/>
+      </a:minorFont>
+    </a:fontScheme>
+    <a:fmtScheme name="Office">
+      <a:fillStyleLst>
+        <a:solidFill>
+          <a:schemeClr val="phClr"/>
+        </a:solidFill>
+        <a:gradFill rotWithShape="1">
+          <a:gsLst>
+            <a:gs pos="0">
+              <a:schemeClr val="phClr">
+                <a:lumMod val="110000"/>
+                <a:satMod val="105000"/>
+                <a:tint val="67000"/>
+              </a:schemeClr>
+            </a:gs>
+            <a:gs pos="50000">
+              <a:schemeClr val="phClr">
+                <a:lumMod val="105000"/>
+                <a:satMod val="103000"/>
+                <a:tint val="73000"/>
+              </a:schemeClr>
+            </a:gs>
+            <a:gs pos="100000">
+              <a:schemeClr val="phClr">
+                <a:lumMod val="105000"/>
+                <a:satMod val="109000"/>
+                <a:tint val="81000"/>
+              </a:schemeClr>
+            </a:gs>
+          </a:gsLst>
+          <a:lin ang="5400000" scaled="0"/>
+        </a:gradFill>
+        <a:gradFill rotWithShape="1">
+          <a:gsLst>
+            <a:gs pos="0">
+              <a:schemeClr val="phClr">
+                <a:satMod val="103000"/>
+                <a:lumMod val="102000"/>
+                <a:tint val="94000"/>
+              </a:schemeClr>
+            </a:gs>
+            <a:gs pos="50000">
+              <a:schemeClr val="phClr">
+                <a:satMod val="110000"/>
+                <a:lumMod val="100000"/>
+                <a:shade val="100000"/>
+              </a:schemeClr>
+            </a:gs>
+            <a:gs pos="100000">
+              <a:schemeClr val="phClr">
+                <a:lumMod val="99000"/>
+                <a:satMod val="120000"/>
+                <a:shade val="78000"/>
+              </a:schemeClr>
+            </a:gs>
+          </a:gsLst>
+          <a:lin ang="5400000" scaled="0"/>
+        </a:gradFill>
+      </a:fillStyleLst>
+      <a:lnStyleLst>
+        <a:ln w="6350" cap="flat" cmpd="sng" algn="ctr">
+          <a:solidFill>
+            <a:schemeClr val="phClr"/>
+          </a:solidFill>
+          <a:prstDash val="solid"/>
+          <a:miter lim="800000"/>
+        </a:ln>
+        <a:ln w="12700" cap="flat" cmpd="sng" algn="ctr">
+          <a:solidFill>
+            <a:schemeClr val="phClr"/>
+          </a:solidFill>
+          <a:prstDash val="solid"/>
+          <a:miter lim="800000"/>
+        </a:ln>
+        <a:ln w="19050" cap="flat" cmpd="sng" algn="ctr">
+          <a:solidFill>
+            <a:schemeClr val="phClr"/>
+          </a:solidFill>
+          <a:prstDash val="solid"/>
+          <a:miter lim="800000"/>
+        </a:ln>
+      </a:lnStyleLst>
+      <a:effectStyleLst>
+        <a:effectStyle>
+          <a:effectLst/>
+        </a:effectStyle>
+        <a:effectStyle>
+          <a:effectLst/>
+        </a:effectStyle>
+        <a:effectStyle>
+          <a:effectLst>
+            <a:outerShdw blurRad="57150" dist="19050" dir="5400000" algn="ctr" rotWithShape="0">
+              <a:srgbClr val="000000">
+                <a:alpha val="63000"/>
+              </a:srgbClr>
+            </a:outerShdw>
+          </a:effectLst>
+        </a:effectStyle>
+      </a:effectStyleLst>
+      <a:bgFillStyleLst>
+        <a:solidFill>
+          <a:schemeClr val="phClr"/>
+        </a:solidFill>
+        <a:solidFill>
+          <a:schemeClr val="phClr">
+            <a:tint val="95000"/>
+            <a:satMod val="170000"/>
+          </a:schemeClr>
+        </a:solidFill>
+        <a:gradFill rotWithShape="1">
+          <a:gsLst>
+            <a:gs pos="0">
+              <a:schemeClr val="phClr">
+                <a:tint val="93000"/>
+                <a:satMod val="150000"/>
+                <a:shade val="98000"/>
+                <a:lumMod val="102000"/>
+              </a:schemeClr>
+            </a:gs>
+            <a:gs pos="50000">
+              <a:schemeClr val="phClr">
+                <a:tint val="98000"/>
+                <a:satMod val="130000"/>
+                <a:shade val="90000"/>
+                <a:lumMod val="103000"/>
+              </a:schemeClr>
+            </a:gs>
+            <a:gs pos="100000">
+              <a:schemeClr val="phClr">
+                <a:shade val="63000"/>
+                <a:satMod val="120000"/>
+              </a:schemeClr>
+            </a:gs>
+          </a:gsLst>
+          <a:lin ang="5400000" scaled="0"/>
+        </a:gradFill>
+      </a:bgFillStyleLst>
+    </a:fmtScheme>
+  </a:themeElements>
+  <a:objectDefaults/>
+  <a:extraClrSchemeLst/>
+  <a:extLst>
+    <a:ext uri="{05A4C25C-085E-4340-85A3-A5531E510DB2}">
+      <thm15:themeFamily xmlns:thm15="http://schemas.microsoft.com/office/thememl/2012/main" name="Office Theme" id="{62F939B6-93AF-4DB8-9C6B-D6C7DFDC589F}" vid="{4A3C46E8-61CC-4603-A589-7422A47A8E4A}"/>
+    </a:ext>
+  </a:extLst>
+</a:theme>
 </file>
--- a/DéfenseOrale.pptx
+++ b/DéfenseOrale.pptx
@@ -5,18 +5,36 @@
     <p:sldMasterId id="2147483952" r:id="rId1"/>
   </p:sldMasterIdLst>
   <p:notesMasterIdLst>
-    <p:notesMasterId r:id="rId11"/>
+    <p:notesMasterId r:id="rId29"/>
   </p:notesMasterIdLst>
   <p:sldIdLst>
     <p:sldId id="256" r:id="rId2"/>
     <p:sldId id="257" r:id="rId3"/>
     <p:sldId id="259" r:id="rId4"/>
-    <p:sldId id="264" r:id="rId5"/>
-    <p:sldId id="260" r:id="rId6"/>
-    <p:sldId id="265" r:id="rId7"/>
-    <p:sldId id="261" r:id="rId8"/>
-    <p:sldId id="262" r:id="rId9"/>
+    <p:sldId id="260" r:id="rId5"/>
+    <p:sldId id="282" r:id="rId6"/>
+    <p:sldId id="262" r:id="rId7"/>
+    <p:sldId id="271" r:id="rId8"/>
+    <p:sldId id="264" r:id="rId9"/>
     <p:sldId id="263" r:id="rId10"/>
+    <p:sldId id="286" r:id="rId11"/>
+    <p:sldId id="266" r:id="rId12"/>
+    <p:sldId id="277" r:id="rId13"/>
+    <p:sldId id="270" r:id="rId14"/>
+    <p:sldId id="279" r:id="rId15"/>
+    <p:sldId id="280" r:id="rId16"/>
+    <p:sldId id="278" r:id="rId17"/>
+    <p:sldId id="274" r:id="rId18"/>
+    <p:sldId id="275" r:id="rId19"/>
+    <p:sldId id="276" r:id="rId20"/>
+    <p:sldId id="283" r:id="rId21"/>
+    <p:sldId id="284" r:id="rId22"/>
+    <p:sldId id="273" r:id="rId23"/>
+    <p:sldId id="272" r:id="rId24"/>
+    <p:sldId id="268" r:id="rId25"/>
+    <p:sldId id="285" r:id="rId26"/>
+    <p:sldId id="269" r:id="rId27"/>
+    <p:sldId id="281" r:id="rId28"/>
   </p:sldIdLst>
   <p:sldSz cx="12192000" cy="6858000"/>
   <p:notesSz cx="6858000" cy="9144000"/>
@@ -116,6 +134,41 @@
     </a:lvl9pPr>
   </p:defaultTextStyle>
   <p:extLst>
+    <p:ext uri="{521415D9-36F7-43E2-AB2F-B90AF26B5E84}">
+      <p14:sectionLst xmlns:p14="http://schemas.microsoft.com/office/powerpoint/2010/main">
+        <p14:section name="Section par défaut" id="{6B6D8F3D-0FB9-4BDF-A0BC-A149D4BCBE38}">
+          <p14:sldIdLst>
+            <p14:sldId id="256"/>
+            <p14:sldId id="257"/>
+            <p14:sldId id="259"/>
+            <p14:sldId id="260"/>
+            <p14:sldId id="282"/>
+            <p14:sldId id="262"/>
+            <p14:sldId id="271"/>
+            <p14:sldId id="264"/>
+            <p14:sldId id="263"/>
+            <p14:sldId id="286"/>
+            <p14:sldId id="266"/>
+            <p14:sldId id="277"/>
+            <p14:sldId id="270"/>
+            <p14:sldId id="279"/>
+            <p14:sldId id="280"/>
+            <p14:sldId id="278"/>
+            <p14:sldId id="274"/>
+            <p14:sldId id="275"/>
+            <p14:sldId id="276"/>
+            <p14:sldId id="283"/>
+            <p14:sldId id="284"/>
+            <p14:sldId id="273"/>
+            <p14:sldId id="272"/>
+            <p14:sldId id="268"/>
+            <p14:sldId id="285"/>
+            <p14:sldId id="269"/>
+            <p14:sldId id="281"/>
+          </p14:sldIdLst>
+        </p14:section>
+      </p14:sectionLst>
+    </p:ext>
     <p:ext uri="{EFAFB233-063F-42B5-8137-9DF3F51BA10A}">
       <p15:sldGuideLst xmlns:p15="http://schemas.microsoft.com/office/powerpoint/2012/main"/>
     </p:ext>
@@ -538,7 +591,7 @@
           <a:p>
             <a:fld id="{4CF5A086-005B-4E61-B69B-E4B65CD1E85A}" type="slidenum">
               <a:rPr lang="fr-BE" smtClean="0"/>
-              <a:t>4</a:t>
+              <a:t>9</a:t>
             </a:fld>
             <a:endParaRPr lang="fr-BE"/>
           </a:p>
@@ -547,7 +600,7 @@
     </p:spTree>
     <p:extLst>
       <p:ext uri="{BB962C8B-B14F-4D97-AF65-F5344CB8AC3E}">
-        <p14:creationId xmlns:p14="http://schemas.microsoft.com/office/powerpoint/2010/main" val="34345606"/>
+        <p14:creationId xmlns:p14="http://schemas.microsoft.com/office/powerpoint/2010/main" val="1952248312"/>
       </p:ext>
     </p:extLst>
   </p:cSld>
@@ -2901,9 +2954,19 @@
 <p:sldMaster xmlns:a="http://schemas.openxmlformats.org/drawingml/2006/main" xmlns:r="http://schemas.openxmlformats.org/officeDocument/2006/relationships" xmlns:p="http://schemas.openxmlformats.org/presentationml/2006/main">
   <p:cSld>
     <p:bg>
-      <p:bgRef idx="1001">
-        <a:schemeClr val="bg1"/>
-      </p:bgRef>
+      <p:bgPr>
+        <a:blipFill dpi="0" rotWithShape="1">
+          <a:blip r:embed="rId13">
+            <a:alphaModFix amt="50000"/>
+            <a:lum/>
+          </a:blip>
+          <a:srcRect/>
+          <a:stretch>
+            <a:fillRect l="-16000" r="-16000"/>
+          </a:stretch>
+        </a:blipFill>
+        <a:effectLst/>
+      </p:bgPr>
     </p:bg>
     <p:spTree>
       <p:nvGrpSpPr>
@@ -3471,7 +3534,7 @@
         </p:nvSpPr>
         <p:spPr>
           <a:xfrm>
-            <a:off x="1524000" y="3162300"/>
+            <a:off x="1524000" y="3096986"/>
             <a:ext cx="9144000" cy="2039938"/>
           </a:xfrm>
         </p:spPr>
@@ -3482,119 +3545,39 @@
           <a:lstStyle/>
           <a:p>
             <a:r>
-              <a:rPr lang="fr-BE" sz="3600" b="1" dirty="0" smtClean="0">
-                <a:effectLst>
-                  <a:outerShdw blurRad="38100" dist="38100" dir="2700000" algn="tl">
-                    <a:srgbClr val="000000">
-                      <a:alpha val="43137"/>
-                    </a:srgbClr>
-                  </a:outerShdw>
-                </a:effectLst>
-              </a:rPr>
+              <a:rPr lang="fr-BE" sz="3600" b="1" dirty="0" smtClean="0"/>
               <a:t>Analyse et développement de widgets en </a:t>
             </a:r>
             <a:br>
-              <a:rPr lang="fr-BE" sz="3600" b="1" dirty="0" smtClean="0">
-                <a:effectLst>
-                  <a:outerShdw blurRad="38100" dist="38100" dir="2700000" algn="tl">
-                    <a:srgbClr val="000000">
-                      <a:alpha val="43137"/>
-                    </a:srgbClr>
-                  </a:outerShdw>
-                </a:effectLst>
-              </a:rPr>
+              <a:rPr lang="fr-BE" sz="3600" b="1" dirty="0" smtClean="0"/>
             </a:br>
             <a:r>
-              <a:rPr lang="fr-BE" sz="3600" b="1" dirty="0" smtClean="0">
-                <a:effectLst>
-                  <a:outerShdw blurRad="38100" dist="38100" dir="2700000" algn="tl">
-                    <a:srgbClr val="000000">
-                      <a:alpha val="43137"/>
-                    </a:srgbClr>
-                  </a:outerShdw>
-                </a:effectLst>
-              </a:rPr>
+              <a:rPr lang="fr-BE" sz="3600" b="1" dirty="0" smtClean="0"/>
               <a:t>Java avec </a:t>
             </a:r>
             <a:r>
-              <a:rPr lang="fr-BE" sz="3600" b="1" dirty="0" err="1" smtClean="0">
-                <a:effectLst>
-                  <a:outerShdw blurRad="38100" dist="38100" dir="2700000" algn="tl">
-                    <a:srgbClr val="000000">
-                      <a:alpha val="43137"/>
-                    </a:srgbClr>
-                  </a:outerShdw>
-                </a:effectLst>
-              </a:rPr>
+              <a:rPr lang="fr-BE" sz="3600" b="1" dirty="0" err="1" smtClean="0"/>
               <a:t>Vaadin</a:t>
             </a:r>
             <a:r>
-              <a:rPr lang="fr-BE" sz="3600" b="1" dirty="0" smtClean="0">
-                <a:effectLst>
-                  <a:outerShdw blurRad="38100" dist="38100" dir="2700000" algn="tl">
-                    <a:srgbClr val="000000">
-                      <a:alpha val="43137"/>
-                    </a:srgbClr>
-                  </a:outerShdw>
-                </a:effectLst>
-              </a:rPr>
+              <a:rPr lang="fr-BE" sz="3600" b="1" dirty="0" smtClean="0"/>
               <a:t> Framework dans le </a:t>
             </a:r>
             <a:br>
-              <a:rPr lang="fr-BE" sz="3600" b="1" dirty="0" smtClean="0">
-                <a:effectLst>
-                  <a:outerShdw blurRad="38100" dist="38100" dir="2700000" algn="tl">
-                    <a:srgbClr val="000000">
-                      <a:alpha val="43137"/>
-                    </a:srgbClr>
-                  </a:outerShdw>
-                </a:effectLst>
-              </a:rPr>
+              <a:rPr lang="fr-BE" sz="3600" b="1" dirty="0" smtClean="0"/>
             </a:br>
             <a:r>
-              <a:rPr lang="fr-BE" sz="3600" b="1" dirty="0" smtClean="0">
-                <a:effectLst>
-                  <a:outerShdw blurRad="38100" dist="38100" dir="2700000" algn="tl">
-                    <a:srgbClr val="000000">
-                      <a:alpha val="43137"/>
-                    </a:srgbClr>
-                  </a:outerShdw>
-                </a:effectLst>
-              </a:rPr>
+              <a:rPr lang="fr-BE" sz="3600" b="1" dirty="0" smtClean="0"/>
               <a:t>cadre d'une application de gestion de </a:t>
             </a:r>
             <a:br>
-              <a:rPr lang="fr-BE" sz="3600" b="1" dirty="0" smtClean="0">
-                <a:effectLst>
-                  <a:outerShdw blurRad="38100" dist="38100" dir="2700000" algn="tl">
-                    <a:srgbClr val="000000">
-                      <a:alpha val="43137"/>
-                    </a:srgbClr>
-                  </a:outerShdw>
-                </a:effectLst>
-              </a:rPr>
+              <a:rPr lang="fr-BE" sz="3600" b="1" dirty="0" smtClean="0"/>
             </a:br>
             <a:r>
-              <a:rPr lang="fr-BE" sz="3600" b="1" dirty="0" smtClean="0">
-                <a:effectLst>
-                  <a:outerShdw blurRad="38100" dist="38100" dir="2700000" algn="tl">
-                    <a:srgbClr val="000000">
-                      <a:alpha val="43137"/>
-                    </a:srgbClr>
-                  </a:outerShdw>
-                </a:effectLst>
-              </a:rPr>
+              <a:rPr lang="fr-BE" sz="3600" b="1" dirty="0" smtClean="0"/>
               <a:t>données spatiales en temps réel </a:t>
             </a:r>
-            <a:endParaRPr lang="fr-BE" sz="3600" b="1" dirty="0">
-              <a:effectLst>
-                <a:outerShdw blurRad="38100" dist="38100" dir="2700000" algn="tl">
-                  <a:srgbClr val="000000">
-                    <a:alpha val="43137"/>
-                  </a:srgbClr>
-                </a:outerShdw>
-              </a:effectLst>
-            </a:endParaRPr>
+            <a:endParaRPr lang="fr-BE" sz="3600" b="1" dirty="0"/>
           </a:p>
         </p:txBody>
       </p:sp>
@@ -3673,7 +3656,7 @@
         </p:blipFill>
         <p:spPr>
           <a:xfrm>
-            <a:off x="2210554" y="-61912"/>
+            <a:off x="-129874" y="-144539"/>
             <a:ext cx="7199391" cy="3599695"/>
           </a:xfrm>
           <a:prstGeom prst="rect">
@@ -3691,6 +3674,1184 @@
   <p:clrMapOvr>
     <a:masterClrMapping/>
   </p:clrMapOvr>
+  <p:timing>
+    <p:tnLst>
+      <p:par>
+        <p:cTn id="1" dur="indefinite" restart="never" nodeType="tmRoot"/>
+      </p:par>
+    </p:tnLst>
+  </p:timing>
+</p:sld>
+</file>
+
+<file path=ppt/slides/slide10.xml><?xml version="1.0" encoding="utf-8"?>
+<p:sld xmlns:a="http://schemas.openxmlformats.org/drawingml/2006/main" xmlns:r="http://schemas.openxmlformats.org/officeDocument/2006/relationships" xmlns:p="http://schemas.openxmlformats.org/presentationml/2006/main">
+  <p:cSld>
+    <p:spTree>
+      <p:nvGrpSpPr>
+        <p:cNvPr id="1" name=""/>
+        <p:cNvGrpSpPr/>
+        <p:nvPr/>
+      </p:nvGrpSpPr>
+      <p:grpSpPr>
+        <a:xfrm>
+          <a:off x="0" y="0"/>
+          <a:ext cx="0" cy="0"/>
+          <a:chOff x="0" y="0"/>
+          <a:chExt cx="0" cy="0"/>
+        </a:xfrm>
+      </p:grpSpPr>
+      <p:sp>
+        <p:nvSpPr>
+          <p:cNvPr id="2" name="Titre 1"/>
+          <p:cNvSpPr>
+            <a:spLocks noGrp="1"/>
+          </p:cNvSpPr>
+          <p:nvPr>
+            <p:ph type="title"/>
+          </p:nvPr>
+        </p:nvSpPr>
+        <p:spPr/>
+        <p:txBody>
+          <a:bodyPr/>
+          <a:lstStyle/>
+          <a:p>
+            <a:pPr algn="ctr"/>
+            <a:r>
+              <a:rPr lang="fr-FR" dirty="0" smtClean="0"/>
+              <a:t>Technologies et outils</a:t>
+            </a:r>
+            <a:endParaRPr lang="fr-BE" dirty="0"/>
+          </a:p>
+        </p:txBody>
+      </p:sp>
+      <p:pic>
+        <p:nvPicPr>
+          <p:cNvPr id="5" name="Espace réservé du contenu 4"/>
+          <p:cNvPicPr>
+            <a:picLocks noGrp="1" noChangeAspect="1"/>
+          </p:cNvPicPr>
+          <p:nvPr>
+            <p:ph idx="1"/>
+          </p:nvPr>
+        </p:nvPicPr>
+        <p:blipFill>
+          <a:blip r:embed="rId2">
+            <a:extLst>
+              <a:ext uri="{28A0092B-C50C-407E-A947-70E740481C1C}">
+                <a14:useLocalDpi xmlns:a14="http://schemas.microsoft.com/office/drawing/2010/main" val="0"/>
+              </a:ext>
+            </a:extLst>
+          </a:blip>
+          <a:stretch>
+            <a:fillRect/>
+          </a:stretch>
+        </p:blipFill>
+        <p:spPr>
+          <a:xfrm>
+            <a:off x="1639874" y="1389172"/>
+            <a:ext cx="8912252" cy="4967178"/>
+          </a:xfrm>
+        </p:spPr>
+      </p:pic>
+      <p:sp>
+        <p:nvSpPr>
+          <p:cNvPr id="4" name="Espace réservé du numéro de diapositive 3"/>
+          <p:cNvSpPr>
+            <a:spLocks noGrp="1"/>
+          </p:cNvSpPr>
+          <p:nvPr>
+            <p:ph type="sldNum" sz="quarter" idx="12"/>
+          </p:nvPr>
+        </p:nvSpPr>
+        <p:spPr/>
+        <p:txBody>
+          <a:bodyPr/>
+          <a:lstStyle/>
+          <a:p>
+            <a:fld id="{4C3DFDC2-EA36-43E7-8576-C0047262A453}" type="slidenum">
+              <a:rPr lang="fr-BE" smtClean="0"/>
+              <a:t>10</a:t>
+            </a:fld>
+            <a:endParaRPr lang="fr-BE"/>
+          </a:p>
+        </p:txBody>
+      </p:sp>
+    </p:spTree>
+    <p:extLst>
+      <p:ext uri="{BB962C8B-B14F-4D97-AF65-F5344CB8AC3E}">
+        <p14:creationId xmlns:p14="http://schemas.microsoft.com/office/powerpoint/2010/main" val="2953942056"/>
+      </p:ext>
+    </p:extLst>
+  </p:cSld>
+  <p:clrMapOvr>
+    <a:masterClrMapping/>
+  </p:clrMapOvr>
+  <p:timing>
+    <p:tnLst>
+      <p:par>
+        <p:cTn id="1" dur="indefinite" restart="never" nodeType="tmRoot"/>
+      </p:par>
+    </p:tnLst>
+  </p:timing>
+</p:sld>
+</file>
+
+<file path=ppt/slides/slide11.xml><?xml version="1.0" encoding="utf-8"?>
+<p:sld xmlns:a="http://schemas.openxmlformats.org/drawingml/2006/main" xmlns:r="http://schemas.openxmlformats.org/officeDocument/2006/relationships" xmlns:p="http://schemas.openxmlformats.org/presentationml/2006/main">
+  <p:cSld>
+    <p:spTree>
+      <p:nvGrpSpPr>
+        <p:cNvPr id="1" name=""/>
+        <p:cNvGrpSpPr/>
+        <p:nvPr/>
+      </p:nvGrpSpPr>
+      <p:grpSpPr>
+        <a:xfrm>
+          <a:off x="0" y="0"/>
+          <a:ext cx="0" cy="0"/>
+          <a:chOff x="0" y="0"/>
+          <a:chExt cx="0" cy="0"/>
+        </a:xfrm>
+      </p:grpSpPr>
+      <p:sp>
+        <p:nvSpPr>
+          <p:cNvPr id="3" name="Espace réservé du contenu 2"/>
+          <p:cNvSpPr>
+            <a:spLocks noGrp="1"/>
+          </p:cNvSpPr>
+          <p:nvPr>
+            <p:ph idx="1"/>
+          </p:nvPr>
+        </p:nvSpPr>
+        <p:spPr>
+          <a:xfrm>
+            <a:off x="838200" y="1152524"/>
+            <a:ext cx="10515600" cy="4310063"/>
+          </a:xfrm>
+        </p:spPr>
+        <p:txBody>
+          <a:bodyPr/>
+          <a:lstStyle/>
+          <a:p>
+            <a:r>
+              <a:rPr lang="fr-FR" dirty="0" smtClean="0"/>
+              <a:t>Présentation de la société</a:t>
+            </a:r>
+          </a:p>
+          <a:p>
+            <a:r>
+              <a:rPr lang="fr-FR" dirty="0" smtClean="0"/>
+              <a:t>GIP</a:t>
+            </a:r>
+          </a:p>
+          <a:p>
+            <a:r>
+              <a:rPr lang="fr-FR" dirty="0" smtClean="0"/>
+              <a:t>Sujet de stage</a:t>
+            </a:r>
+            <a:endParaRPr lang="fr-FR" dirty="0" smtClean="0"/>
+          </a:p>
+          <a:p>
+            <a:r>
+              <a:rPr lang="fr-FR" b="1" dirty="0" smtClean="0"/>
+              <a:t>Analyse des widgets</a:t>
+            </a:r>
+            <a:endParaRPr lang="fr-FR" b="1" dirty="0" smtClean="0"/>
+          </a:p>
+          <a:p>
+            <a:r>
+              <a:rPr lang="fr-FR" dirty="0" err="1" smtClean="0"/>
+              <a:t>Vaadin</a:t>
+            </a:r>
+            <a:endParaRPr lang="fr-FR" dirty="0" smtClean="0"/>
+          </a:p>
+          <a:p>
+            <a:r>
+              <a:rPr lang="fr-FR" dirty="0" smtClean="0"/>
+              <a:t>Implémentation des widgets</a:t>
+            </a:r>
+            <a:endParaRPr lang="fr-FR" dirty="0"/>
+          </a:p>
+          <a:p>
+            <a:r>
+              <a:rPr lang="fr-FR" dirty="0" smtClean="0"/>
+              <a:t>Conclusion</a:t>
+            </a:r>
+            <a:endParaRPr lang="fr-BE" dirty="0"/>
+          </a:p>
+        </p:txBody>
+      </p:sp>
+      <p:sp>
+        <p:nvSpPr>
+          <p:cNvPr id="5" name="Espace réservé du numéro de diapositive 4"/>
+          <p:cNvSpPr>
+            <a:spLocks noGrp="1"/>
+          </p:cNvSpPr>
+          <p:nvPr>
+            <p:ph type="sldNum" sz="quarter" idx="12"/>
+          </p:nvPr>
+        </p:nvSpPr>
+        <p:spPr/>
+        <p:txBody>
+          <a:bodyPr>
+            <a:normAutofit/>
+          </a:bodyPr>
+          <a:lstStyle/>
+          <a:p>
+            <a:fld id="{4C3DFDC2-EA36-43E7-8576-C0047262A453}" type="slidenum">
+              <a:rPr lang="fr-BE" smtClean="0"/>
+              <a:t>11</a:t>
+            </a:fld>
+            <a:endParaRPr lang="fr-BE"/>
+          </a:p>
+        </p:txBody>
+      </p:sp>
+      <p:pic>
+        <p:nvPicPr>
+          <p:cNvPr id="4" name="Image 3"/>
+          <p:cNvPicPr>
+            <a:picLocks noChangeAspect="1"/>
+          </p:cNvPicPr>
+          <p:nvPr/>
+        </p:nvPicPr>
+        <p:blipFill>
+          <a:blip r:embed="rId2">
+            <a:extLst>
+              <a:ext uri="{28A0092B-C50C-407E-A947-70E740481C1C}">
+                <a14:useLocalDpi xmlns:a14="http://schemas.microsoft.com/office/drawing/2010/main" val="0"/>
+              </a:ext>
+            </a:extLst>
+          </a:blip>
+          <a:stretch>
+            <a:fillRect/>
+          </a:stretch>
+        </p:blipFill>
+        <p:spPr>
+          <a:xfrm>
+            <a:off x="8738004" y="3608270"/>
+            <a:ext cx="2615796" cy="2748080"/>
+          </a:xfrm>
+          <a:prstGeom prst="rect">
+            <a:avLst/>
+          </a:prstGeom>
+        </p:spPr>
+      </p:pic>
+    </p:spTree>
+    <p:extLst>
+      <p:ext uri="{BB962C8B-B14F-4D97-AF65-F5344CB8AC3E}">
+        <p14:creationId xmlns:p14="http://schemas.microsoft.com/office/powerpoint/2010/main" val="1367993998"/>
+      </p:ext>
+    </p:extLst>
+  </p:cSld>
+  <p:clrMapOvr>
+    <a:masterClrMapping/>
+  </p:clrMapOvr>
+  <p:timing>
+    <p:tnLst>
+      <p:par>
+        <p:cTn id="1" dur="indefinite" restart="never" nodeType="tmRoot"/>
+      </p:par>
+    </p:tnLst>
+  </p:timing>
+</p:sld>
+</file>
+
+<file path=ppt/slides/slide12.xml><?xml version="1.0" encoding="utf-8"?>
+<p:sld xmlns:a="http://schemas.openxmlformats.org/drawingml/2006/main" xmlns:r="http://schemas.openxmlformats.org/officeDocument/2006/relationships" xmlns:p="http://schemas.openxmlformats.org/presentationml/2006/main">
+  <p:cSld>
+    <p:spTree>
+      <p:nvGrpSpPr>
+        <p:cNvPr id="1" name=""/>
+        <p:cNvGrpSpPr/>
+        <p:nvPr/>
+      </p:nvGrpSpPr>
+      <p:grpSpPr>
+        <a:xfrm>
+          <a:off x="0" y="0"/>
+          <a:ext cx="0" cy="0"/>
+          <a:chOff x="0" y="0"/>
+          <a:chExt cx="0" cy="0"/>
+        </a:xfrm>
+      </p:grpSpPr>
+      <p:sp>
+        <p:nvSpPr>
+          <p:cNvPr id="2" name="Titre 1"/>
+          <p:cNvSpPr>
+            <a:spLocks noGrp="1"/>
+          </p:cNvSpPr>
+          <p:nvPr>
+            <p:ph type="title"/>
+          </p:nvPr>
+        </p:nvSpPr>
+        <p:spPr/>
+        <p:txBody>
+          <a:bodyPr/>
+          <a:lstStyle/>
+          <a:p>
+            <a:pPr algn="ctr"/>
+            <a:r>
+              <a:rPr lang="fr-FR" dirty="0" smtClean="0"/>
+              <a:t>Les cas d’utilisation</a:t>
+            </a:r>
+            <a:endParaRPr lang="fr-BE" dirty="0"/>
+          </a:p>
+        </p:txBody>
+      </p:sp>
+      <p:sp>
+        <p:nvSpPr>
+          <p:cNvPr id="4" name="Espace réservé du numéro de diapositive 3"/>
+          <p:cNvSpPr>
+            <a:spLocks noGrp="1"/>
+          </p:cNvSpPr>
+          <p:nvPr>
+            <p:ph type="sldNum" sz="quarter" idx="12"/>
+          </p:nvPr>
+        </p:nvSpPr>
+        <p:spPr/>
+        <p:txBody>
+          <a:bodyPr/>
+          <a:lstStyle/>
+          <a:p>
+            <a:fld id="{4C3DFDC2-EA36-43E7-8576-C0047262A453}" type="slidenum">
+              <a:rPr lang="fr-BE" smtClean="0"/>
+              <a:t>12</a:t>
+            </a:fld>
+            <a:endParaRPr lang="fr-BE"/>
+          </a:p>
+        </p:txBody>
+      </p:sp>
+      <p:pic>
+        <p:nvPicPr>
+          <p:cNvPr id="7" name="Espace réservé du contenu 6"/>
+          <p:cNvPicPr>
+            <a:picLocks noGrp="1" noChangeAspect="1"/>
+          </p:cNvPicPr>
+          <p:nvPr>
+            <p:ph idx="1"/>
+          </p:nvPr>
+        </p:nvPicPr>
+        <p:blipFill>
+          <a:blip r:embed="rId2">
+            <a:extLst>
+              <a:ext uri="{28A0092B-C50C-407E-A947-70E740481C1C}">
+                <a14:useLocalDpi xmlns:a14="http://schemas.microsoft.com/office/drawing/2010/main" val="0"/>
+              </a:ext>
+            </a:extLst>
+          </a:blip>
+          <a:stretch>
+            <a:fillRect/>
+          </a:stretch>
+        </p:blipFill>
+        <p:spPr>
+          <a:xfrm>
+            <a:off x="3004865" y="1825625"/>
+            <a:ext cx="6182270" cy="4351338"/>
+          </a:xfrm>
+        </p:spPr>
+      </p:pic>
+    </p:spTree>
+    <p:extLst>
+      <p:ext uri="{BB962C8B-B14F-4D97-AF65-F5344CB8AC3E}">
+        <p14:creationId xmlns:p14="http://schemas.microsoft.com/office/powerpoint/2010/main" val="368018484"/>
+      </p:ext>
+    </p:extLst>
+  </p:cSld>
+  <p:clrMapOvr>
+    <a:masterClrMapping/>
+  </p:clrMapOvr>
+  <p:timing>
+    <p:tnLst>
+      <p:par>
+        <p:cTn id="1" dur="indefinite" restart="never" nodeType="tmRoot"/>
+      </p:par>
+    </p:tnLst>
+  </p:timing>
+</p:sld>
+</file>
+
+<file path=ppt/slides/slide13.xml><?xml version="1.0" encoding="utf-8"?>
+<p:sld xmlns:a="http://schemas.openxmlformats.org/drawingml/2006/main" xmlns:r="http://schemas.openxmlformats.org/officeDocument/2006/relationships" xmlns:p="http://schemas.openxmlformats.org/presentationml/2006/main">
+  <p:cSld>
+    <p:spTree>
+      <p:nvGrpSpPr>
+        <p:cNvPr id="1" name=""/>
+        <p:cNvGrpSpPr/>
+        <p:nvPr/>
+      </p:nvGrpSpPr>
+      <p:grpSpPr>
+        <a:xfrm>
+          <a:off x="0" y="0"/>
+          <a:ext cx="0" cy="0"/>
+          <a:chOff x="0" y="0"/>
+          <a:chExt cx="0" cy="0"/>
+        </a:xfrm>
+      </p:grpSpPr>
+      <p:sp>
+        <p:nvSpPr>
+          <p:cNvPr id="2" name="Titre 1"/>
+          <p:cNvSpPr>
+            <a:spLocks noGrp="1"/>
+          </p:cNvSpPr>
+          <p:nvPr>
+            <p:ph type="title"/>
+          </p:nvPr>
+        </p:nvSpPr>
+        <p:spPr/>
+        <p:txBody>
+          <a:bodyPr/>
+          <a:lstStyle/>
+          <a:p>
+            <a:pPr algn="ctr"/>
+            <a:r>
+              <a:rPr lang="fr-FR" dirty="0" smtClean="0"/>
+              <a:t>Authentification</a:t>
+            </a:r>
+            <a:endParaRPr lang="fr-BE" dirty="0"/>
+          </a:p>
+        </p:txBody>
+      </p:sp>
+      <p:pic>
+        <p:nvPicPr>
+          <p:cNvPr id="5" name="Espace réservé du contenu 4"/>
+          <p:cNvPicPr>
+            <a:picLocks noGrp="1" noChangeAspect="1"/>
+          </p:cNvPicPr>
+          <p:nvPr>
+            <p:ph idx="1"/>
+          </p:nvPr>
+        </p:nvPicPr>
+        <p:blipFill>
+          <a:blip r:embed="rId2">
+            <a:extLst>
+              <a:ext uri="{28A0092B-C50C-407E-A947-70E740481C1C}">
+                <a14:useLocalDpi xmlns:a14="http://schemas.microsoft.com/office/drawing/2010/main" val="0"/>
+              </a:ext>
+            </a:extLst>
+          </a:blip>
+          <a:stretch>
+            <a:fillRect/>
+          </a:stretch>
+        </p:blipFill>
+        <p:spPr>
+          <a:xfrm>
+            <a:off x="4436918" y="2041597"/>
+            <a:ext cx="3318164" cy="3963844"/>
+          </a:xfrm>
+        </p:spPr>
+      </p:pic>
+      <p:sp>
+        <p:nvSpPr>
+          <p:cNvPr id="4" name="Espace réservé du numéro de diapositive 3"/>
+          <p:cNvSpPr>
+            <a:spLocks noGrp="1"/>
+          </p:cNvSpPr>
+          <p:nvPr>
+            <p:ph type="sldNum" sz="quarter" idx="12"/>
+          </p:nvPr>
+        </p:nvSpPr>
+        <p:spPr/>
+        <p:txBody>
+          <a:bodyPr/>
+          <a:lstStyle/>
+          <a:p>
+            <a:fld id="{4C3DFDC2-EA36-43E7-8576-C0047262A453}" type="slidenum">
+              <a:rPr lang="fr-BE" smtClean="0"/>
+              <a:t>13</a:t>
+            </a:fld>
+            <a:endParaRPr lang="fr-BE"/>
+          </a:p>
+        </p:txBody>
+      </p:sp>
+    </p:spTree>
+    <p:extLst>
+      <p:ext uri="{BB962C8B-B14F-4D97-AF65-F5344CB8AC3E}">
+        <p14:creationId xmlns:p14="http://schemas.microsoft.com/office/powerpoint/2010/main" val="3759096663"/>
+      </p:ext>
+    </p:extLst>
+  </p:cSld>
+  <p:clrMapOvr>
+    <a:masterClrMapping/>
+  </p:clrMapOvr>
+  <p:timing>
+    <p:tnLst>
+      <p:par>
+        <p:cTn id="1" dur="indefinite" restart="never" nodeType="tmRoot"/>
+      </p:par>
+    </p:tnLst>
+  </p:timing>
+</p:sld>
+</file>
+
+<file path=ppt/slides/slide14.xml><?xml version="1.0" encoding="utf-8"?>
+<p:sld xmlns:a="http://schemas.openxmlformats.org/drawingml/2006/main" xmlns:r="http://schemas.openxmlformats.org/officeDocument/2006/relationships" xmlns:p="http://schemas.openxmlformats.org/presentationml/2006/main">
+  <p:cSld>
+    <p:spTree>
+      <p:nvGrpSpPr>
+        <p:cNvPr id="1" name=""/>
+        <p:cNvGrpSpPr/>
+        <p:nvPr/>
+      </p:nvGrpSpPr>
+      <p:grpSpPr>
+        <a:xfrm>
+          <a:off x="0" y="0"/>
+          <a:ext cx="0" cy="0"/>
+          <a:chOff x="0" y="0"/>
+          <a:chExt cx="0" cy="0"/>
+        </a:xfrm>
+      </p:grpSpPr>
+      <p:sp>
+        <p:nvSpPr>
+          <p:cNvPr id="2" name="Titre 1"/>
+          <p:cNvSpPr>
+            <a:spLocks noGrp="1"/>
+          </p:cNvSpPr>
+          <p:nvPr>
+            <p:ph type="title"/>
+          </p:nvPr>
+        </p:nvSpPr>
+        <p:spPr/>
+        <p:txBody>
+          <a:bodyPr/>
+          <a:lstStyle/>
+          <a:p>
+            <a:pPr algn="ctr"/>
+            <a:r>
+              <a:rPr lang="fr-FR" dirty="0" smtClean="0"/>
+              <a:t>Authentification</a:t>
+            </a:r>
+            <a:endParaRPr lang="fr-BE" dirty="0"/>
+          </a:p>
+        </p:txBody>
+      </p:sp>
+      <p:pic>
+        <p:nvPicPr>
+          <p:cNvPr id="5" name="Espace réservé du contenu 4"/>
+          <p:cNvPicPr>
+            <a:picLocks noGrp="1" noChangeAspect="1"/>
+          </p:cNvPicPr>
+          <p:nvPr>
+            <p:ph idx="1"/>
+          </p:nvPr>
+        </p:nvPicPr>
+        <p:blipFill>
+          <a:blip r:embed="rId2">
+            <a:extLst>
+              <a:ext uri="{28A0092B-C50C-407E-A947-70E740481C1C}">
+                <a14:useLocalDpi xmlns:a14="http://schemas.microsoft.com/office/drawing/2010/main" val="0"/>
+              </a:ext>
+            </a:extLst>
+          </a:blip>
+          <a:stretch>
+            <a:fillRect/>
+          </a:stretch>
+        </p:blipFill>
+        <p:spPr>
+          <a:xfrm>
+            <a:off x="1945675" y="1825625"/>
+            <a:ext cx="8300650" cy="4351338"/>
+          </a:xfrm>
+        </p:spPr>
+      </p:pic>
+      <p:sp>
+        <p:nvSpPr>
+          <p:cNvPr id="4" name="Espace réservé du numéro de diapositive 3"/>
+          <p:cNvSpPr>
+            <a:spLocks noGrp="1"/>
+          </p:cNvSpPr>
+          <p:nvPr>
+            <p:ph type="sldNum" sz="quarter" idx="12"/>
+          </p:nvPr>
+        </p:nvSpPr>
+        <p:spPr/>
+        <p:txBody>
+          <a:bodyPr/>
+          <a:lstStyle/>
+          <a:p>
+            <a:fld id="{4C3DFDC2-EA36-43E7-8576-C0047262A453}" type="slidenum">
+              <a:rPr lang="fr-BE" smtClean="0"/>
+              <a:t>14</a:t>
+            </a:fld>
+            <a:endParaRPr lang="fr-BE"/>
+          </a:p>
+        </p:txBody>
+      </p:sp>
+    </p:spTree>
+    <p:extLst>
+      <p:ext uri="{BB962C8B-B14F-4D97-AF65-F5344CB8AC3E}">
+        <p14:creationId xmlns:p14="http://schemas.microsoft.com/office/powerpoint/2010/main" val="3672398550"/>
+      </p:ext>
+    </p:extLst>
+  </p:cSld>
+  <p:clrMapOvr>
+    <a:masterClrMapping/>
+  </p:clrMapOvr>
+  <p:timing>
+    <p:tnLst>
+      <p:par>
+        <p:cTn id="1" dur="indefinite" restart="never" nodeType="tmRoot"/>
+      </p:par>
+    </p:tnLst>
+  </p:timing>
+</p:sld>
+</file>
+
+<file path=ppt/slides/slide15.xml><?xml version="1.0" encoding="utf-8"?>
+<p:sld xmlns:a="http://schemas.openxmlformats.org/drawingml/2006/main" xmlns:r="http://schemas.openxmlformats.org/officeDocument/2006/relationships" xmlns:p="http://schemas.openxmlformats.org/presentationml/2006/main">
+  <p:cSld>
+    <p:spTree>
+      <p:nvGrpSpPr>
+        <p:cNvPr id="1" name=""/>
+        <p:cNvGrpSpPr/>
+        <p:nvPr/>
+      </p:nvGrpSpPr>
+      <p:grpSpPr>
+        <a:xfrm>
+          <a:off x="0" y="0"/>
+          <a:ext cx="0" cy="0"/>
+          <a:chOff x="0" y="0"/>
+          <a:chExt cx="0" cy="0"/>
+        </a:xfrm>
+      </p:grpSpPr>
+      <p:sp>
+        <p:nvSpPr>
+          <p:cNvPr id="2" name="Titre 1"/>
+          <p:cNvSpPr>
+            <a:spLocks noGrp="1"/>
+          </p:cNvSpPr>
+          <p:nvPr>
+            <p:ph type="title"/>
+          </p:nvPr>
+        </p:nvSpPr>
+        <p:spPr/>
+        <p:txBody>
+          <a:bodyPr/>
+          <a:lstStyle/>
+          <a:p>
+            <a:pPr algn="ctr"/>
+            <a:r>
+              <a:rPr lang="fr-FR" dirty="0" smtClean="0"/>
+              <a:t>Authentification</a:t>
+            </a:r>
+            <a:endParaRPr lang="fr-BE" dirty="0"/>
+          </a:p>
+        </p:txBody>
+      </p:sp>
+      <p:pic>
+        <p:nvPicPr>
+          <p:cNvPr id="5" name="Espace réservé du contenu 4"/>
+          <p:cNvPicPr>
+            <a:picLocks noGrp="1" noChangeAspect="1"/>
+          </p:cNvPicPr>
+          <p:nvPr>
+            <p:ph idx="1"/>
+          </p:nvPr>
+        </p:nvPicPr>
+        <p:blipFill>
+          <a:blip r:embed="rId2">
+            <a:extLst>
+              <a:ext uri="{28A0092B-C50C-407E-A947-70E740481C1C}">
+                <a14:useLocalDpi xmlns:a14="http://schemas.microsoft.com/office/drawing/2010/main" val="0"/>
+              </a:ext>
+            </a:extLst>
+          </a:blip>
+          <a:stretch>
+            <a:fillRect/>
+          </a:stretch>
+        </p:blipFill>
+        <p:spPr>
+          <a:xfrm>
+            <a:off x="1945675" y="1825625"/>
+            <a:ext cx="8300650" cy="4351338"/>
+          </a:xfrm>
+        </p:spPr>
+      </p:pic>
+      <p:sp>
+        <p:nvSpPr>
+          <p:cNvPr id="4" name="Espace réservé du numéro de diapositive 3"/>
+          <p:cNvSpPr>
+            <a:spLocks noGrp="1"/>
+          </p:cNvSpPr>
+          <p:nvPr>
+            <p:ph type="sldNum" sz="quarter" idx="12"/>
+          </p:nvPr>
+        </p:nvSpPr>
+        <p:spPr/>
+        <p:txBody>
+          <a:bodyPr/>
+          <a:lstStyle/>
+          <a:p>
+            <a:fld id="{4C3DFDC2-EA36-43E7-8576-C0047262A453}" type="slidenum">
+              <a:rPr lang="fr-BE" smtClean="0"/>
+              <a:t>15</a:t>
+            </a:fld>
+            <a:endParaRPr lang="fr-BE"/>
+          </a:p>
+        </p:txBody>
+      </p:sp>
+    </p:spTree>
+    <p:extLst>
+      <p:ext uri="{BB962C8B-B14F-4D97-AF65-F5344CB8AC3E}">
+        <p14:creationId xmlns:p14="http://schemas.microsoft.com/office/powerpoint/2010/main" val="1050786580"/>
+      </p:ext>
+    </p:extLst>
+  </p:cSld>
+  <p:clrMapOvr>
+    <a:masterClrMapping/>
+  </p:clrMapOvr>
+  <p:timing>
+    <p:tnLst>
+      <p:par>
+        <p:cTn id="1" dur="indefinite" restart="never" nodeType="tmRoot"/>
+      </p:par>
+    </p:tnLst>
+  </p:timing>
+</p:sld>
+</file>
+
+<file path=ppt/slides/slide16.xml><?xml version="1.0" encoding="utf-8"?>
+<p:sld xmlns:a="http://schemas.openxmlformats.org/drawingml/2006/main" xmlns:r="http://schemas.openxmlformats.org/officeDocument/2006/relationships" xmlns:p="http://schemas.openxmlformats.org/presentationml/2006/main">
+  <p:cSld>
+    <p:spTree>
+      <p:nvGrpSpPr>
+        <p:cNvPr id="1" name=""/>
+        <p:cNvGrpSpPr/>
+        <p:nvPr/>
+      </p:nvGrpSpPr>
+      <p:grpSpPr>
+        <a:xfrm>
+          <a:off x="0" y="0"/>
+          <a:ext cx="0" cy="0"/>
+          <a:chOff x="0" y="0"/>
+          <a:chExt cx="0" cy="0"/>
+        </a:xfrm>
+      </p:grpSpPr>
+      <p:sp>
+        <p:nvSpPr>
+          <p:cNvPr id="2" name="Titre 1"/>
+          <p:cNvSpPr>
+            <a:spLocks noGrp="1"/>
+          </p:cNvSpPr>
+          <p:nvPr>
+            <p:ph type="title"/>
+          </p:nvPr>
+        </p:nvSpPr>
+        <p:spPr/>
+        <p:txBody>
+          <a:bodyPr/>
+          <a:lstStyle/>
+          <a:p>
+            <a:r>
+              <a:rPr lang="fr-FR" dirty="0" err="1" smtClean="0"/>
+              <a:t>Giplet</a:t>
+            </a:r>
+            <a:r>
+              <a:rPr lang="fr-FR" dirty="0" smtClean="0"/>
+              <a:t> </a:t>
+            </a:r>
+            <a:r>
+              <a:rPr lang="fr-FR" dirty="0" err="1" smtClean="0"/>
+              <a:t>IFrame</a:t>
+            </a:r>
+            <a:endParaRPr lang="fr-BE" dirty="0"/>
+          </a:p>
+        </p:txBody>
+      </p:sp>
+      <p:sp>
+        <p:nvSpPr>
+          <p:cNvPr id="4" name="Espace réservé du numéro de diapositive 3"/>
+          <p:cNvSpPr>
+            <a:spLocks noGrp="1"/>
+          </p:cNvSpPr>
+          <p:nvPr>
+            <p:ph type="sldNum" sz="quarter" idx="12"/>
+          </p:nvPr>
+        </p:nvSpPr>
+        <p:spPr/>
+        <p:txBody>
+          <a:bodyPr/>
+          <a:lstStyle/>
+          <a:p>
+            <a:fld id="{4C3DFDC2-EA36-43E7-8576-C0047262A453}" type="slidenum">
+              <a:rPr lang="fr-BE" smtClean="0"/>
+              <a:t>16</a:t>
+            </a:fld>
+            <a:endParaRPr lang="fr-BE"/>
+          </a:p>
+        </p:txBody>
+      </p:sp>
+      <p:sp>
+        <p:nvSpPr>
+          <p:cNvPr id="3" name="Espace réservé du contenu 2"/>
+          <p:cNvSpPr>
+            <a:spLocks noGrp="1"/>
+          </p:cNvSpPr>
+          <p:nvPr>
+            <p:ph idx="1"/>
+          </p:nvPr>
+        </p:nvSpPr>
+        <p:spPr/>
+        <p:txBody>
+          <a:bodyPr/>
+          <a:lstStyle/>
+          <a:p>
+            <a:endParaRPr lang="fr-BE" dirty="0"/>
+          </a:p>
+        </p:txBody>
+      </p:sp>
+    </p:spTree>
+    <p:extLst>
+      <p:ext uri="{BB962C8B-B14F-4D97-AF65-F5344CB8AC3E}">
+        <p14:creationId xmlns:p14="http://schemas.microsoft.com/office/powerpoint/2010/main" val="3250305098"/>
+      </p:ext>
+    </p:extLst>
+  </p:cSld>
+  <p:clrMapOvr>
+    <a:masterClrMapping/>
+  </p:clrMapOvr>
+  <p:timing>
+    <p:tnLst>
+      <p:par>
+        <p:cTn id="1" dur="indefinite" restart="never" nodeType="tmRoot"/>
+      </p:par>
+    </p:tnLst>
+  </p:timing>
+</p:sld>
+</file>
+
+<file path=ppt/slides/slide17.xml><?xml version="1.0" encoding="utf-8"?>
+<p:sld xmlns:a="http://schemas.openxmlformats.org/drawingml/2006/main" xmlns:r="http://schemas.openxmlformats.org/officeDocument/2006/relationships" xmlns:p="http://schemas.openxmlformats.org/presentationml/2006/main">
+  <p:cSld>
+    <p:spTree>
+      <p:nvGrpSpPr>
+        <p:cNvPr id="1" name=""/>
+        <p:cNvGrpSpPr/>
+        <p:nvPr/>
+      </p:nvGrpSpPr>
+      <p:grpSpPr>
+        <a:xfrm>
+          <a:off x="0" y="0"/>
+          <a:ext cx="0" cy="0"/>
+          <a:chOff x="0" y="0"/>
+          <a:chExt cx="0" cy="0"/>
+        </a:xfrm>
+      </p:grpSpPr>
+      <p:sp>
+        <p:nvSpPr>
+          <p:cNvPr id="2" name="Titre 1"/>
+          <p:cNvSpPr>
+            <a:spLocks noGrp="1"/>
+          </p:cNvSpPr>
+          <p:nvPr>
+            <p:ph type="title"/>
+          </p:nvPr>
+        </p:nvSpPr>
+        <p:spPr/>
+        <p:txBody>
+          <a:bodyPr/>
+          <a:lstStyle/>
+          <a:p>
+            <a:r>
+              <a:rPr lang="fr-FR" dirty="0" err="1" smtClean="0"/>
+              <a:t>Giplet</a:t>
+            </a:r>
+            <a:r>
+              <a:rPr lang="fr-FR" dirty="0" smtClean="0"/>
+              <a:t> </a:t>
+            </a:r>
+            <a:r>
+              <a:rPr lang="fr-FR" dirty="0" err="1" smtClean="0"/>
+              <a:t>IFrame</a:t>
+            </a:r>
+            <a:endParaRPr lang="fr-BE" dirty="0"/>
+          </a:p>
+        </p:txBody>
+      </p:sp>
+      <p:sp>
+        <p:nvSpPr>
+          <p:cNvPr id="4" name="Espace réservé du numéro de diapositive 3"/>
+          <p:cNvSpPr>
+            <a:spLocks noGrp="1"/>
+          </p:cNvSpPr>
+          <p:nvPr>
+            <p:ph type="sldNum" sz="quarter" idx="12"/>
+          </p:nvPr>
+        </p:nvSpPr>
+        <p:spPr/>
+        <p:txBody>
+          <a:bodyPr/>
+          <a:lstStyle/>
+          <a:p>
+            <a:fld id="{4C3DFDC2-EA36-43E7-8576-C0047262A453}" type="slidenum">
+              <a:rPr lang="fr-BE" smtClean="0"/>
+              <a:t>17</a:t>
+            </a:fld>
+            <a:endParaRPr lang="fr-BE"/>
+          </a:p>
+        </p:txBody>
+      </p:sp>
+      <p:pic>
+        <p:nvPicPr>
+          <p:cNvPr id="9" name="Espace réservé du contenu 8"/>
+          <p:cNvPicPr>
+            <a:picLocks noGrp="1" noChangeAspect="1"/>
+          </p:cNvPicPr>
+          <p:nvPr>
+            <p:ph idx="1"/>
+          </p:nvPr>
+        </p:nvPicPr>
+        <p:blipFill>
+          <a:blip r:embed="rId2">
+            <a:extLst>
+              <a:ext uri="{28A0092B-C50C-407E-A947-70E740481C1C}">
+                <a14:useLocalDpi xmlns:a14="http://schemas.microsoft.com/office/drawing/2010/main" val="0"/>
+              </a:ext>
+            </a:extLst>
+          </a:blip>
+          <a:stretch>
+            <a:fillRect/>
+          </a:stretch>
+        </p:blipFill>
+        <p:spPr>
+          <a:xfrm>
+            <a:off x="1807130" y="1690688"/>
+            <a:ext cx="8300650" cy="4351338"/>
+          </a:xfrm>
+        </p:spPr>
+      </p:pic>
+    </p:spTree>
+    <p:extLst>
+      <p:ext uri="{BB962C8B-B14F-4D97-AF65-F5344CB8AC3E}">
+        <p14:creationId xmlns:p14="http://schemas.microsoft.com/office/powerpoint/2010/main" val="3633692112"/>
+      </p:ext>
+    </p:extLst>
+  </p:cSld>
+  <p:clrMapOvr>
+    <a:masterClrMapping/>
+  </p:clrMapOvr>
+  <p:timing>
+    <p:tnLst>
+      <p:par>
+        <p:cTn id="1" dur="indefinite" restart="never" nodeType="tmRoot"/>
+      </p:par>
+    </p:tnLst>
+  </p:timing>
+</p:sld>
+</file>
+
+<file path=ppt/slides/slide18.xml><?xml version="1.0" encoding="utf-8"?>
+<p:sld xmlns:a="http://schemas.openxmlformats.org/drawingml/2006/main" xmlns:r="http://schemas.openxmlformats.org/officeDocument/2006/relationships" xmlns:p="http://schemas.openxmlformats.org/presentationml/2006/main">
+  <p:cSld>
+    <p:spTree>
+      <p:nvGrpSpPr>
+        <p:cNvPr id="1" name=""/>
+        <p:cNvGrpSpPr/>
+        <p:nvPr/>
+      </p:nvGrpSpPr>
+      <p:grpSpPr>
+        <a:xfrm>
+          <a:off x="0" y="0"/>
+          <a:ext cx="0" cy="0"/>
+          <a:chOff x="0" y="0"/>
+          <a:chExt cx="0" cy="0"/>
+        </a:xfrm>
+      </p:grpSpPr>
+      <p:sp>
+        <p:nvSpPr>
+          <p:cNvPr id="2" name="Titre 1"/>
+          <p:cNvSpPr>
+            <a:spLocks noGrp="1"/>
+          </p:cNvSpPr>
+          <p:nvPr>
+            <p:ph type="title"/>
+          </p:nvPr>
+        </p:nvSpPr>
+        <p:spPr/>
+        <p:txBody>
+          <a:bodyPr/>
+          <a:lstStyle/>
+          <a:p>
+            <a:r>
+              <a:rPr lang="fr-FR" dirty="0" err="1" smtClean="0"/>
+              <a:t>Giplet</a:t>
+            </a:r>
+            <a:r>
+              <a:rPr lang="fr-FR" dirty="0" smtClean="0"/>
+              <a:t> Flight information</a:t>
+            </a:r>
+            <a:endParaRPr lang="fr-BE" dirty="0"/>
+          </a:p>
+        </p:txBody>
+      </p:sp>
+      <p:sp>
+        <p:nvSpPr>
+          <p:cNvPr id="3" name="Espace réservé du contenu 2"/>
+          <p:cNvSpPr>
+            <a:spLocks noGrp="1"/>
+          </p:cNvSpPr>
+          <p:nvPr>
+            <p:ph idx="1"/>
+          </p:nvPr>
+        </p:nvSpPr>
+        <p:spPr/>
+        <p:txBody>
+          <a:bodyPr/>
+          <a:lstStyle/>
+          <a:p>
+            <a:endParaRPr lang="fr-BE"/>
+          </a:p>
+        </p:txBody>
+      </p:sp>
+      <p:sp>
+        <p:nvSpPr>
+          <p:cNvPr id="4" name="Espace réservé du numéro de diapositive 3"/>
+          <p:cNvSpPr>
+            <a:spLocks noGrp="1"/>
+          </p:cNvSpPr>
+          <p:nvPr>
+            <p:ph type="sldNum" sz="quarter" idx="12"/>
+          </p:nvPr>
+        </p:nvSpPr>
+        <p:spPr/>
+        <p:txBody>
+          <a:bodyPr/>
+          <a:lstStyle/>
+          <a:p>
+            <a:fld id="{4C3DFDC2-EA36-43E7-8576-C0047262A453}" type="slidenum">
+              <a:rPr lang="fr-BE" smtClean="0"/>
+              <a:t>18</a:t>
+            </a:fld>
+            <a:endParaRPr lang="fr-BE"/>
+          </a:p>
+        </p:txBody>
+      </p:sp>
+    </p:spTree>
+    <p:extLst>
+      <p:ext uri="{BB962C8B-B14F-4D97-AF65-F5344CB8AC3E}">
+        <p14:creationId xmlns:p14="http://schemas.microsoft.com/office/powerpoint/2010/main" val="288855710"/>
+      </p:ext>
+    </p:extLst>
+  </p:cSld>
+  <p:clrMapOvr>
+    <a:masterClrMapping/>
+  </p:clrMapOvr>
+  <p:timing>
+    <p:tnLst>
+      <p:par>
+        <p:cTn id="1" dur="indefinite" restart="never" nodeType="tmRoot"/>
+      </p:par>
+    </p:tnLst>
+  </p:timing>
+</p:sld>
+</file>
+
+<file path=ppt/slides/slide19.xml><?xml version="1.0" encoding="utf-8"?>
+<p:sld xmlns:a="http://schemas.openxmlformats.org/drawingml/2006/main" xmlns:r="http://schemas.openxmlformats.org/officeDocument/2006/relationships" xmlns:p="http://schemas.openxmlformats.org/presentationml/2006/main">
+  <p:cSld>
+    <p:spTree>
+      <p:nvGrpSpPr>
+        <p:cNvPr id="1" name=""/>
+        <p:cNvGrpSpPr/>
+        <p:nvPr/>
+      </p:nvGrpSpPr>
+      <p:grpSpPr>
+        <a:xfrm>
+          <a:off x="0" y="0"/>
+          <a:ext cx="0" cy="0"/>
+          <a:chOff x="0" y="0"/>
+          <a:chExt cx="0" cy="0"/>
+        </a:xfrm>
+      </p:grpSpPr>
+      <p:sp>
+        <p:nvSpPr>
+          <p:cNvPr id="2" name="Titre 1"/>
+          <p:cNvSpPr>
+            <a:spLocks noGrp="1"/>
+          </p:cNvSpPr>
+          <p:nvPr>
+            <p:ph type="title"/>
+          </p:nvPr>
+        </p:nvSpPr>
+        <p:spPr/>
+        <p:txBody>
+          <a:bodyPr/>
+          <a:lstStyle/>
+          <a:p>
+            <a:r>
+              <a:rPr lang="fr-FR" dirty="0" err="1" smtClean="0"/>
+              <a:t>Giplet</a:t>
+            </a:r>
+            <a:r>
+              <a:rPr lang="fr-FR" dirty="0" smtClean="0"/>
+              <a:t> </a:t>
+            </a:r>
+            <a:r>
+              <a:rPr lang="fr-FR" dirty="0" err="1" smtClean="0"/>
+              <a:t>Beacons</a:t>
+            </a:r>
+            <a:endParaRPr lang="fr-BE" dirty="0"/>
+          </a:p>
+        </p:txBody>
+      </p:sp>
+      <p:sp>
+        <p:nvSpPr>
+          <p:cNvPr id="3" name="Espace réservé du contenu 2"/>
+          <p:cNvSpPr>
+            <a:spLocks noGrp="1"/>
+          </p:cNvSpPr>
+          <p:nvPr>
+            <p:ph idx="1"/>
+          </p:nvPr>
+        </p:nvSpPr>
+        <p:spPr/>
+        <p:txBody>
+          <a:bodyPr/>
+          <a:lstStyle/>
+          <a:p>
+            <a:endParaRPr lang="fr-BE"/>
+          </a:p>
+        </p:txBody>
+      </p:sp>
+      <p:sp>
+        <p:nvSpPr>
+          <p:cNvPr id="4" name="Espace réservé du numéro de diapositive 3"/>
+          <p:cNvSpPr>
+            <a:spLocks noGrp="1"/>
+          </p:cNvSpPr>
+          <p:nvPr>
+            <p:ph type="sldNum" sz="quarter" idx="12"/>
+          </p:nvPr>
+        </p:nvSpPr>
+        <p:spPr/>
+        <p:txBody>
+          <a:bodyPr/>
+          <a:lstStyle/>
+          <a:p>
+            <a:fld id="{4C3DFDC2-EA36-43E7-8576-C0047262A453}" type="slidenum">
+              <a:rPr lang="fr-BE" smtClean="0"/>
+              <a:t>19</a:t>
+            </a:fld>
+            <a:endParaRPr lang="fr-BE"/>
+          </a:p>
+        </p:txBody>
+      </p:sp>
+    </p:spTree>
+    <p:extLst>
+      <p:ext uri="{BB962C8B-B14F-4D97-AF65-F5344CB8AC3E}">
+        <p14:creationId xmlns:p14="http://schemas.microsoft.com/office/powerpoint/2010/main" val="1540240984"/>
+      </p:ext>
+    </p:extLst>
+  </p:cSld>
+  <p:clrMapOvr>
+    <a:masterClrMapping/>
+  </p:clrMapOvr>
+  <p:timing>
+    <p:tnLst>
+      <p:par>
+        <p:cTn id="1" dur="indefinite" restart="never" nodeType="tmRoot"/>
+      </p:par>
+    </p:tnLst>
+  </p:timing>
 </p:sld>
 </file>
 
@@ -3739,21 +4900,36 @@
           <a:p>
             <a:r>
               <a:rPr lang="fr-FR" dirty="0" smtClean="0"/>
-              <a:t>Présentation du travail demandé</a:t>
+              <a:t>GIP</a:t>
             </a:r>
           </a:p>
           <a:p>
             <a:r>
               <a:rPr lang="fr-FR" dirty="0" smtClean="0"/>
-              <a:t>Présentation de l’analyse</a:t>
+              <a:t>Sujet de stage</a:t>
             </a:r>
             <a:endParaRPr lang="fr-FR" dirty="0" smtClean="0"/>
           </a:p>
           <a:p>
             <a:r>
               <a:rPr lang="fr-FR" dirty="0" smtClean="0"/>
-              <a:t>Présentation de l’implémentation</a:t>
-            </a:r>
+              <a:t>Analyse des widgets</a:t>
+            </a:r>
+            <a:endParaRPr lang="fr-FR" dirty="0" smtClean="0"/>
+          </a:p>
+          <a:p>
+            <a:r>
+              <a:rPr lang="fr-FR" dirty="0" err="1" smtClean="0"/>
+              <a:t>Vaadin</a:t>
+            </a:r>
+            <a:endParaRPr lang="fr-FR" dirty="0" smtClean="0"/>
+          </a:p>
+          <a:p>
+            <a:r>
+              <a:rPr lang="fr-FR" dirty="0" smtClean="0"/>
+              <a:t>Implémentation des widgets</a:t>
+            </a:r>
+            <a:endParaRPr lang="fr-FR" dirty="0"/>
           </a:p>
           <a:p>
             <a:r>
@@ -3829,6 +5005,996 @@
   <p:clrMapOvr>
     <a:masterClrMapping/>
   </p:clrMapOvr>
+  <p:timing>
+    <p:tnLst>
+      <p:par>
+        <p:cTn id="1" dur="indefinite" restart="never" nodeType="tmRoot"/>
+      </p:par>
+    </p:tnLst>
+  </p:timing>
+</p:sld>
+</file>
+
+<file path=ppt/slides/slide20.xml><?xml version="1.0" encoding="utf-8"?>
+<p:sld xmlns:a="http://schemas.openxmlformats.org/drawingml/2006/main" xmlns:r="http://schemas.openxmlformats.org/officeDocument/2006/relationships" xmlns:p="http://schemas.openxmlformats.org/presentationml/2006/main">
+  <p:cSld>
+    <p:spTree>
+      <p:nvGrpSpPr>
+        <p:cNvPr id="1" name=""/>
+        <p:cNvGrpSpPr/>
+        <p:nvPr/>
+      </p:nvGrpSpPr>
+      <p:grpSpPr>
+        <a:xfrm>
+          <a:off x="0" y="0"/>
+          <a:ext cx="0" cy="0"/>
+          <a:chOff x="0" y="0"/>
+          <a:chExt cx="0" cy="0"/>
+        </a:xfrm>
+      </p:grpSpPr>
+      <p:sp>
+        <p:nvSpPr>
+          <p:cNvPr id="2" name="Titre 1"/>
+          <p:cNvSpPr>
+            <a:spLocks noGrp="1"/>
+          </p:cNvSpPr>
+          <p:nvPr>
+            <p:ph type="title"/>
+          </p:nvPr>
+        </p:nvSpPr>
+        <p:spPr/>
+        <p:txBody>
+          <a:bodyPr/>
+          <a:lstStyle/>
+          <a:p>
+            <a:pPr algn="ctr"/>
+            <a:r>
+              <a:rPr lang="fr-FR" dirty="0" smtClean="0"/>
+              <a:t>Affichage </a:t>
+            </a:r>
+            <a:r>
+              <a:rPr lang="fr-FR" dirty="0" err="1" smtClean="0"/>
+              <a:t>dashboard</a:t>
+            </a:r>
+            <a:endParaRPr lang="fr-BE" dirty="0"/>
+          </a:p>
+        </p:txBody>
+      </p:sp>
+      <p:pic>
+        <p:nvPicPr>
+          <p:cNvPr id="5" name="Espace réservé du contenu 4"/>
+          <p:cNvPicPr>
+            <a:picLocks noGrp="1" noChangeAspect="1"/>
+          </p:cNvPicPr>
+          <p:nvPr>
+            <p:ph idx="1"/>
+          </p:nvPr>
+        </p:nvPicPr>
+        <p:blipFill>
+          <a:blip r:embed="rId2">
+            <a:extLst>
+              <a:ext uri="{28A0092B-C50C-407E-A947-70E740481C1C}">
+                <a14:useLocalDpi xmlns:a14="http://schemas.microsoft.com/office/drawing/2010/main" val="0"/>
+              </a:ext>
+            </a:extLst>
+          </a:blip>
+          <a:stretch>
+            <a:fillRect/>
+          </a:stretch>
+        </p:blipFill>
+        <p:spPr>
+          <a:xfrm>
+            <a:off x="1417457" y="1825625"/>
+            <a:ext cx="9357086" cy="4351338"/>
+          </a:xfrm>
+        </p:spPr>
+      </p:pic>
+      <p:sp>
+        <p:nvSpPr>
+          <p:cNvPr id="4" name="Espace réservé du numéro de diapositive 3"/>
+          <p:cNvSpPr>
+            <a:spLocks noGrp="1"/>
+          </p:cNvSpPr>
+          <p:nvPr>
+            <p:ph type="sldNum" sz="quarter" idx="12"/>
+          </p:nvPr>
+        </p:nvSpPr>
+        <p:spPr/>
+        <p:txBody>
+          <a:bodyPr/>
+          <a:lstStyle/>
+          <a:p>
+            <a:fld id="{4C3DFDC2-EA36-43E7-8576-C0047262A453}" type="slidenum">
+              <a:rPr lang="fr-BE" smtClean="0"/>
+              <a:t>20</a:t>
+            </a:fld>
+            <a:endParaRPr lang="fr-BE"/>
+          </a:p>
+        </p:txBody>
+      </p:sp>
+    </p:spTree>
+    <p:extLst>
+      <p:ext uri="{BB962C8B-B14F-4D97-AF65-F5344CB8AC3E}">
+        <p14:creationId xmlns:p14="http://schemas.microsoft.com/office/powerpoint/2010/main" val="335322071"/>
+      </p:ext>
+    </p:extLst>
+  </p:cSld>
+  <p:clrMapOvr>
+    <a:masterClrMapping/>
+  </p:clrMapOvr>
+  <p:timing>
+    <p:tnLst>
+      <p:par>
+        <p:cTn id="1" dur="indefinite" restart="never" nodeType="tmRoot"/>
+      </p:par>
+    </p:tnLst>
+  </p:timing>
+</p:sld>
+</file>
+
+<file path=ppt/slides/slide21.xml><?xml version="1.0" encoding="utf-8"?>
+<p:sld xmlns:a="http://schemas.openxmlformats.org/drawingml/2006/main" xmlns:r="http://schemas.openxmlformats.org/officeDocument/2006/relationships" xmlns:p="http://schemas.openxmlformats.org/presentationml/2006/main">
+  <p:cSld>
+    <p:spTree>
+      <p:nvGrpSpPr>
+        <p:cNvPr id="1" name=""/>
+        <p:cNvGrpSpPr/>
+        <p:nvPr/>
+      </p:nvGrpSpPr>
+      <p:grpSpPr>
+        <a:xfrm>
+          <a:off x="0" y="0"/>
+          <a:ext cx="0" cy="0"/>
+          <a:chOff x="0" y="0"/>
+          <a:chExt cx="0" cy="0"/>
+        </a:xfrm>
+      </p:grpSpPr>
+      <p:sp>
+        <p:nvSpPr>
+          <p:cNvPr id="2" name="Titre 1"/>
+          <p:cNvSpPr>
+            <a:spLocks noGrp="1"/>
+          </p:cNvSpPr>
+          <p:nvPr>
+            <p:ph type="title"/>
+          </p:nvPr>
+        </p:nvSpPr>
+        <p:spPr/>
+        <p:txBody>
+          <a:bodyPr/>
+          <a:lstStyle/>
+          <a:p>
+            <a:pPr algn="ctr"/>
+            <a:r>
+              <a:rPr lang="fr-FR" dirty="0" smtClean="0"/>
+              <a:t>Ajouter des </a:t>
+            </a:r>
+            <a:r>
+              <a:rPr lang="fr-FR" dirty="0" err="1" smtClean="0"/>
+              <a:t>giplets</a:t>
+            </a:r>
+            <a:r>
+              <a:rPr lang="fr-FR" dirty="0" smtClean="0"/>
+              <a:t> au </a:t>
+            </a:r>
+            <a:r>
+              <a:rPr lang="fr-FR" dirty="0" err="1" smtClean="0"/>
+              <a:t>dashboard</a:t>
+            </a:r>
+            <a:endParaRPr lang="fr-BE" dirty="0"/>
+          </a:p>
+        </p:txBody>
+      </p:sp>
+      <p:pic>
+        <p:nvPicPr>
+          <p:cNvPr id="5" name="Espace réservé du contenu 4"/>
+          <p:cNvPicPr>
+            <a:picLocks noGrp="1" noChangeAspect="1"/>
+          </p:cNvPicPr>
+          <p:nvPr>
+            <p:ph idx="1"/>
+          </p:nvPr>
+        </p:nvPicPr>
+        <p:blipFill>
+          <a:blip r:embed="rId2">
+            <a:extLst>
+              <a:ext uri="{28A0092B-C50C-407E-A947-70E740481C1C}">
+                <a14:useLocalDpi xmlns:a14="http://schemas.microsoft.com/office/drawing/2010/main" val="0"/>
+              </a:ext>
+            </a:extLst>
+          </a:blip>
+          <a:stretch>
+            <a:fillRect/>
+          </a:stretch>
+        </p:blipFill>
+        <p:spPr>
+          <a:xfrm>
+            <a:off x="1945675" y="1825625"/>
+            <a:ext cx="8300650" cy="4351338"/>
+          </a:xfrm>
+        </p:spPr>
+      </p:pic>
+      <p:sp>
+        <p:nvSpPr>
+          <p:cNvPr id="4" name="Espace réservé du numéro de diapositive 3"/>
+          <p:cNvSpPr>
+            <a:spLocks noGrp="1"/>
+          </p:cNvSpPr>
+          <p:nvPr>
+            <p:ph type="sldNum" sz="quarter" idx="12"/>
+          </p:nvPr>
+        </p:nvSpPr>
+        <p:spPr/>
+        <p:txBody>
+          <a:bodyPr/>
+          <a:lstStyle/>
+          <a:p>
+            <a:fld id="{4C3DFDC2-EA36-43E7-8576-C0047262A453}" type="slidenum">
+              <a:rPr lang="fr-BE" smtClean="0"/>
+              <a:t>21</a:t>
+            </a:fld>
+            <a:endParaRPr lang="fr-BE"/>
+          </a:p>
+        </p:txBody>
+      </p:sp>
+    </p:spTree>
+    <p:extLst>
+      <p:ext uri="{BB962C8B-B14F-4D97-AF65-F5344CB8AC3E}">
+        <p14:creationId xmlns:p14="http://schemas.microsoft.com/office/powerpoint/2010/main" val="237744994"/>
+      </p:ext>
+    </p:extLst>
+  </p:cSld>
+  <p:clrMapOvr>
+    <a:masterClrMapping/>
+  </p:clrMapOvr>
+  <p:timing>
+    <p:tnLst>
+      <p:par>
+        <p:cTn id="1" dur="indefinite" restart="never" nodeType="tmRoot"/>
+      </p:par>
+    </p:tnLst>
+  </p:timing>
+</p:sld>
+</file>
+
+<file path=ppt/slides/slide22.xml><?xml version="1.0" encoding="utf-8"?>
+<p:sld xmlns:a="http://schemas.openxmlformats.org/drawingml/2006/main" xmlns:r="http://schemas.openxmlformats.org/officeDocument/2006/relationships" xmlns:p="http://schemas.openxmlformats.org/presentationml/2006/main">
+  <p:cSld>
+    <p:spTree>
+      <p:nvGrpSpPr>
+        <p:cNvPr id="1" name=""/>
+        <p:cNvGrpSpPr/>
+        <p:nvPr/>
+      </p:nvGrpSpPr>
+      <p:grpSpPr>
+        <a:xfrm>
+          <a:off x="0" y="0"/>
+          <a:ext cx="0" cy="0"/>
+          <a:chOff x="0" y="0"/>
+          <a:chExt cx="0" cy="0"/>
+        </a:xfrm>
+      </p:grpSpPr>
+      <p:sp>
+        <p:nvSpPr>
+          <p:cNvPr id="4" name="Espace réservé du numéro de diapositive 3"/>
+          <p:cNvSpPr>
+            <a:spLocks noGrp="1"/>
+          </p:cNvSpPr>
+          <p:nvPr>
+            <p:ph type="sldNum" sz="quarter" idx="12"/>
+          </p:nvPr>
+        </p:nvSpPr>
+        <p:spPr/>
+        <p:txBody>
+          <a:bodyPr/>
+          <a:lstStyle/>
+          <a:p>
+            <a:fld id="{4C3DFDC2-EA36-43E7-8576-C0047262A453}" type="slidenum">
+              <a:rPr lang="fr-BE" smtClean="0"/>
+              <a:t>22</a:t>
+            </a:fld>
+            <a:endParaRPr lang="fr-BE"/>
+          </a:p>
+        </p:txBody>
+      </p:sp>
+      <p:pic>
+        <p:nvPicPr>
+          <p:cNvPr id="5" name="Espace réservé du contenu 4"/>
+          <p:cNvPicPr>
+            <a:picLocks noGrp="1" noChangeAspect="1"/>
+          </p:cNvPicPr>
+          <p:nvPr>
+            <p:ph idx="1"/>
+          </p:nvPr>
+        </p:nvPicPr>
+        <p:blipFill>
+          <a:blip r:embed="rId2">
+            <a:extLst>
+              <a:ext uri="{28A0092B-C50C-407E-A947-70E740481C1C}">
+                <a14:useLocalDpi xmlns:a14="http://schemas.microsoft.com/office/drawing/2010/main" val="0"/>
+              </a:ext>
+            </a:extLst>
+          </a:blip>
+          <a:stretch>
+            <a:fillRect/>
+          </a:stretch>
+        </p:blipFill>
+        <p:spPr>
+          <a:xfrm>
+            <a:off x="1730663" y="1721644"/>
+            <a:ext cx="9525000" cy="2324100"/>
+          </a:xfrm>
+          <a:prstGeom prst="rect">
+            <a:avLst/>
+          </a:prstGeom>
+          <a:effectLst>
+            <a:reflection blurRad="38100" stA="37000" dir="5400000" sy="-100000" algn="bl" rotWithShape="0"/>
+          </a:effectLst>
+        </p:spPr>
+      </p:pic>
+    </p:spTree>
+    <p:extLst>
+      <p:ext uri="{BB962C8B-B14F-4D97-AF65-F5344CB8AC3E}">
+        <p14:creationId xmlns:p14="http://schemas.microsoft.com/office/powerpoint/2010/main" val="2550916788"/>
+      </p:ext>
+    </p:extLst>
+  </p:cSld>
+  <p:clrMapOvr>
+    <a:masterClrMapping/>
+  </p:clrMapOvr>
+  <p:timing>
+    <p:tnLst>
+      <p:par>
+        <p:cTn id="1" dur="indefinite" restart="never" nodeType="tmRoot"/>
+      </p:par>
+    </p:tnLst>
+  </p:timing>
+</p:sld>
+</file>
+
+<file path=ppt/slides/slide23.xml><?xml version="1.0" encoding="utf-8"?>
+<p:sld xmlns:a="http://schemas.openxmlformats.org/drawingml/2006/main" xmlns:r="http://schemas.openxmlformats.org/officeDocument/2006/relationships" xmlns:p="http://schemas.openxmlformats.org/presentationml/2006/main">
+  <p:cSld>
+    <p:spTree>
+      <p:nvGrpSpPr>
+        <p:cNvPr id="1" name=""/>
+        <p:cNvGrpSpPr/>
+        <p:nvPr/>
+      </p:nvGrpSpPr>
+      <p:grpSpPr>
+        <a:xfrm>
+          <a:off x="0" y="0"/>
+          <a:ext cx="0" cy="0"/>
+          <a:chOff x="0" y="0"/>
+          <a:chExt cx="0" cy="0"/>
+        </a:xfrm>
+      </p:grpSpPr>
+      <p:pic>
+        <p:nvPicPr>
+          <p:cNvPr id="5" name="Espace réservé du contenu 4"/>
+          <p:cNvPicPr>
+            <a:picLocks noGrp="1" noChangeAspect="1"/>
+          </p:cNvPicPr>
+          <p:nvPr>
+            <p:ph idx="1"/>
+          </p:nvPr>
+        </p:nvPicPr>
+        <p:blipFill>
+          <a:blip r:embed="rId2" cstate="print">
+            <a:extLst>
+              <a:ext uri="{28A0092B-C50C-407E-A947-70E740481C1C}">
+                <a14:useLocalDpi xmlns:a14="http://schemas.microsoft.com/office/drawing/2010/main" val="0"/>
+              </a:ext>
+            </a:extLst>
+          </a:blip>
+          <a:stretch>
+            <a:fillRect/>
+          </a:stretch>
+        </p:blipFill>
+        <p:spPr>
+          <a:xfrm>
+            <a:off x="4710545" y="2816808"/>
+            <a:ext cx="7481455" cy="3722104"/>
+          </a:xfrm>
+        </p:spPr>
+      </p:pic>
+      <p:sp>
+        <p:nvSpPr>
+          <p:cNvPr id="4" name="Espace réservé du numéro de diapositive 3"/>
+          <p:cNvSpPr>
+            <a:spLocks noGrp="1"/>
+          </p:cNvSpPr>
+          <p:nvPr>
+            <p:ph type="sldNum" sz="quarter" idx="12"/>
+          </p:nvPr>
+        </p:nvSpPr>
+        <p:spPr/>
+        <p:txBody>
+          <a:bodyPr/>
+          <a:lstStyle/>
+          <a:p>
+            <a:fld id="{4C3DFDC2-EA36-43E7-8576-C0047262A453}" type="slidenum">
+              <a:rPr lang="fr-BE" smtClean="0"/>
+              <a:t>23</a:t>
+            </a:fld>
+            <a:endParaRPr lang="fr-BE"/>
+          </a:p>
+        </p:txBody>
+      </p:sp>
+      <p:sp>
+        <p:nvSpPr>
+          <p:cNvPr id="6" name="ZoneTexte 5"/>
+          <p:cNvSpPr txBox="1"/>
+          <p:nvPr/>
+        </p:nvSpPr>
+        <p:spPr>
+          <a:xfrm>
+            <a:off x="812800" y="905164"/>
+            <a:ext cx="3776227" cy="369332"/>
+          </a:xfrm>
+          <a:prstGeom prst="rect">
+            <a:avLst/>
+          </a:prstGeom>
+          <a:noFill/>
+        </p:spPr>
+        <p:txBody>
+          <a:bodyPr wrap="none" rtlCol="0">
+            <a:spAutoFit/>
+          </a:bodyPr>
+          <a:lstStyle/>
+          <a:p>
+            <a:r>
+              <a:rPr lang="fr-FR" dirty="0" smtClean="0"/>
+              <a:t>Framework Java complet &amp; modulable</a:t>
+            </a:r>
+          </a:p>
+        </p:txBody>
+      </p:sp>
+      <p:sp>
+        <p:nvSpPr>
+          <p:cNvPr id="7" name="ZoneTexte 6"/>
+          <p:cNvSpPr txBox="1"/>
+          <p:nvPr/>
+        </p:nvSpPr>
+        <p:spPr>
+          <a:xfrm>
+            <a:off x="812800" y="1274496"/>
+            <a:ext cx="1644361" cy="369332"/>
+          </a:xfrm>
+          <a:prstGeom prst="rect">
+            <a:avLst/>
+          </a:prstGeom>
+          <a:noFill/>
+        </p:spPr>
+        <p:txBody>
+          <a:bodyPr wrap="none" rtlCol="0">
+            <a:spAutoFit/>
+          </a:bodyPr>
+          <a:lstStyle/>
+          <a:p>
+            <a:r>
+              <a:rPr lang="fr-FR" dirty="0" smtClean="0"/>
+              <a:t>Client / Serveur</a:t>
+            </a:r>
+            <a:endParaRPr lang="fr-BE" dirty="0"/>
+          </a:p>
+        </p:txBody>
+      </p:sp>
+      <p:sp>
+        <p:nvSpPr>
+          <p:cNvPr id="8" name="ZoneTexte 7"/>
+          <p:cNvSpPr txBox="1"/>
+          <p:nvPr/>
+        </p:nvSpPr>
+        <p:spPr>
+          <a:xfrm>
+            <a:off x="812800" y="1643828"/>
+            <a:ext cx="3546805" cy="369332"/>
+          </a:xfrm>
+          <a:prstGeom prst="rect">
+            <a:avLst/>
+          </a:prstGeom>
+          <a:noFill/>
+        </p:spPr>
+        <p:txBody>
+          <a:bodyPr wrap="none" rtlCol="0">
+            <a:spAutoFit/>
+          </a:bodyPr>
+          <a:lstStyle/>
+          <a:p>
+            <a:r>
+              <a:rPr lang="fr-FR" dirty="0" smtClean="0"/>
+              <a:t>Concentration sur la partie business</a:t>
+            </a:r>
+            <a:endParaRPr lang="fr-BE" dirty="0"/>
+          </a:p>
+        </p:txBody>
+      </p:sp>
+    </p:spTree>
+    <p:extLst>
+      <p:ext uri="{BB962C8B-B14F-4D97-AF65-F5344CB8AC3E}">
+        <p14:creationId xmlns:p14="http://schemas.microsoft.com/office/powerpoint/2010/main" val="484712452"/>
+      </p:ext>
+    </p:extLst>
+  </p:cSld>
+  <p:clrMapOvr>
+    <a:masterClrMapping/>
+  </p:clrMapOvr>
+  <p:timing>
+    <p:tnLst>
+      <p:par>
+        <p:cTn id="1" dur="indefinite" restart="never" nodeType="tmRoot"/>
+      </p:par>
+    </p:tnLst>
+  </p:timing>
+</p:sld>
+</file>
+
+<file path=ppt/slides/slide24.xml><?xml version="1.0" encoding="utf-8"?>
+<p:sld xmlns:a="http://schemas.openxmlformats.org/drawingml/2006/main" xmlns:r="http://schemas.openxmlformats.org/officeDocument/2006/relationships" xmlns:p="http://schemas.openxmlformats.org/presentationml/2006/main">
+  <p:cSld>
+    <p:spTree>
+      <p:nvGrpSpPr>
+        <p:cNvPr id="1" name=""/>
+        <p:cNvGrpSpPr/>
+        <p:nvPr/>
+      </p:nvGrpSpPr>
+      <p:grpSpPr>
+        <a:xfrm>
+          <a:off x="0" y="0"/>
+          <a:ext cx="0" cy="0"/>
+          <a:chOff x="0" y="0"/>
+          <a:chExt cx="0" cy="0"/>
+        </a:xfrm>
+      </p:grpSpPr>
+      <p:sp>
+        <p:nvSpPr>
+          <p:cNvPr id="3" name="Espace réservé du contenu 2"/>
+          <p:cNvSpPr>
+            <a:spLocks noGrp="1"/>
+          </p:cNvSpPr>
+          <p:nvPr>
+            <p:ph idx="1"/>
+          </p:nvPr>
+        </p:nvSpPr>
+        <p:spPr>
+          <a:xfrm>
+            <a:off x="838200" y="1152524"/>
+            <a:ext cx="10515600" cy="4310063"/>
+          </a:xfrm>
+        </p:spPr>
+        <p:txBody>
+          <a:bodyPr/>
+          <a:lstStyle/>
+          <a:p>
+            <a:r>
+              <a:rPr lang="fr-FR" dirty="0" smtClean="0"/>
+              <a:t>Présentation de la société</a:t>
+            </a:r>
+          </a:p>
+          <a:p>
+            <a:r>
+              <a:rPr lang="fr-FR" dirty="0" smtClean="0"/>
+              <a:t>GIP</a:t>
+            </a:r>
+          </a:p>
+          <a:p>
+            <a:r>
+              <a:rPr lang="fr-FR" dirty="0" smtClean="0"/>
+              <a:t>Sujet de stage</a:t>
+            </a:r>
+            <a:endParaRPr lang="fr-FR" dirty="0" smtClean="0"/>
+          </a:p>
+          <a:p>
+            <a:r>
+              <a:rPr lang="fr-FR" dirty="0" smtClean="0"/>
+              <a:t>Analyse des widgets</a:t>
+            </a:r>
+            <a:endParaRPr lang="fr-FR" dirty="0" smtClean="0"/>
+          </a:p>
+          <a:p>
+            <a:r>
+              <a:rPr lang="fr-FR" dirty="0" err="1" smtClean="0"/>
+              <a:t>Vaadin</a:t>
+            </a:r>
+            <a:endParaRPr lang="fr-FR" dirty="0" smtClean="0"/>
+          </a:p>
+          <a:p>
+            <a:r>
+              <a:rPr lang="fr-FR" b="1" dirty="0" smtClean="0"/>
+              <a:t>Implémentation des widgets</a:t>
+            </a:r>
+            <a:endParaRPr lang="fr-FR" b="1" dirty="0"/>
+          </a:p>
+          <a:p>
+            <a:r>
+              <a:rPr lang="fr-FR" dirty="0" smtClean="0"/>
+              <a:t>Conclusion</a:t>
+            </a:r>
+            <a:endParaRPr lang="fr-BE" dirty="0"/>
+          </a:p>
+        </p:txBody>
+      </p:sp>
+      <p:sp>
+        <p:nvSpPr>
+          <p:cNvPr id="5" name="Espace réservé du numéro de diapositive 4"/>
+          <p:cNvSpPr>
+            <a:spLocks noGrp="1"/>
+          </p:cNvSpPr>
+          <p:nvPr>
+            <p:ph type="sldNum" sz="quarter" idx="12"/>
+          </p:nvPr>
+        </p:nvSpPr>
+        <p:spPr/>
+        <p:txBody>
+          <a:bodyPr>
+            <a:normAutofit/>
+          </a:bodyPr>
+          <a:lstStyle/>
+          <a:p>
+            <a:fld id="{4C3DFDC2-EA36-43E7-8576-C0047262A453}" type="slidenum">
+              <a:rPr lang="fr-BE" smtClean="0"/>
+              <a:t>24</a:t>
+            </a:fld>
+            <a:endParaRPr lang="fr-BE"/>
+          </a:p>
+        </p:txBody>
+      </p:sp>
+    </p:spTree>
+    <p:extLst>
+      <p:ext uri="{BB962C8B-B14F-4D97-AF65-F5344CB8AC3E}">
+        <p14:creationId xmlns:p14="http://schemas.microsoft.com/office/powerpoint/2010/main" val="2316581502"/>
+      </p:ext>
+    </p:extLst>
+  </p:cSld>
+  <p:clrMapOvr>
+    <a:masterClrMapping/>
+  </p:clrMapOvr>
+  <p:timing>
+    <p:tnLst>
+      <p:par>
+        <p:cTn id="1" dur="indefinite" restart="never" nodeType="tmRoot"/>
+      </p:par>
+    </p:tnLst>
+  </p:timing>
+</p:sld>
+</file>
+
+<file path=ppt/slides/slide25.xml><?xml version="1.0" encoding="utf-8"?>
+<p:sld xmlns:a="http://schemas.openxmlformats.org/drawingml/2006/main" xmlns:r="http://schemas.openxmlformats.org/officeDocument/2006/relationships" xmlns:p="http://schemas.openxmlformats.org/presentationml/2006/main">
+  <p:cSld>
+    <p:spTree>
+      <p:nvGrpSpPr>
+        <p:cNvPr id="1" name=""/>
+        <p:cNvGrpSpPr/>
+        <p:nvPr/>
+      </p:nvGrpSpPr>
+      <p:grpSpPr>
+        <a:xfrm>
+          <a:off x="0" y="0"/>
+          <a:ext cx="0" cy="0"/>
+          <a:chOff x="0" y="0"/>
+          <a:chExt cx="0" cy="0"/>
+        </a:xfrm>
+      </p:grpSpPr>
+      <p:sp>
+        <p:nvSpPr>
+          <p:cNvPr id="2" name="Titre 1"/>
+          <p:cNvSpPr>
+            <a:spLocks noGrp="1"/>
+          </p:cNvSpPr>
+          <p:nvPr>
+            <p:ph type="title"/>
+          </p:nvPr>
+        </p:nvSpPr>
+        <p:spPr/>
+        <p:txBody>
+          <a:bodyPr/>
+          <a:lstStyle/>
+          <a:p>
+            <a:endParaRPr lang="fr-BE"/>
+          </a:p>
+        </p:txBody>
+      </p:sp>
+      <p:sp>
+        <p:nvSpPr>
+          <p:cNvPr id="4" name="Espace réservé du numéro de diapositive 3"/>
+          <p:cNvSpPr>
+            <a:spLocks noGrp="1"/>
+          </p:cNvSpPr>
+          <p:nvPr>
+            <p:ph type="sldNum" sz="quarter" idx="12"/>
+          </p:nvPr>
+        </p:nvSpPr>
+        <p:spPr/>
+        <p:txBody>
+          <a:bodyPr/>
+          <a:lstStyle/>
+          <a:p>
+            <a:fld id="{4C3DFDC2-EA36-43E7-8576-C0047262A453}" type="slidenum">
+              <a:rPr lang="fr-BE" smtClean="0"/>
+              <a:t>25</a:t>
+            </a:fld>
+            <a:endParaRPr lang="fr-BE"/>
+          </a:p>
+        </p:txBody>
+      </p:sp>
+      <p:sp>
+        <p:nvSpPr>
+          <p:cNvPr id="8" name="Espace réservé du contenu 7"/>
+          <p:cNvSpPr>
+            <a:spLocks noGrp="1"/>
+          </p:cNvSpPr>
+          <p:nvPr>
+            <p:ph idx="1"/>
+          </p:nvPr>
+        </p:nvSpPr>
+        <p:spPr/>
+        <p:txBody>
+          <a:bodyPr/>
+          <a:lstStyle/>
+          <a:p>
+            <a:endParaRPr lang="fr-BE"/>
+          </a:p>
+        </p:txBody>
+      </p:sp>
+    </p:spTree>
+    <p:extLst>
+      <p:ext uri="{BB962C8B-B14F-4D97-AF65-F5344CB8AC3E}">
+        <p14:creationId xmlns:p14="http://schemas.microsoft.com/office/powerpoint/2010/main" val="2671037448"/>
+      </p:ext>
+    </p:extLst>
+  </p:cSld>
+  <p:clrMapOvr>
+    <a:masterClrMapping/>
+  </p:clrMapOvr>
+  <p:timing>
+    <p:tnLst>
+      <p:par>
+        <p:cTn id="1" dur="indefinite" restart="never" nodeType="tmRoot"/>
+      </p:par>
+    </p:tnLst>
+  </p:timing>
+</p:sld>
+</file>
+
+<file path=ppt/slides/slide26.xml><?xml version="1.0" encoding="utf-8"?>
+<p:sld xmlns:a="http://schemas.openxmlformats.org/drawingml/2006/main" xmlns:r="http://schemas.openxmlformats.org/officeDocument/2006/relationships" xmlns:p="http://schemas.openxmlformats.org/presentationml/2006/main">
+  <p:cSld>
+    <p:spTree>
+      <p:nvGrpSpPr>
+        <p:cNvPr id="1" name=""/>
+        <p:cNvGrpSpPr/>
+        <p:nvPr/>
+      </p:nvGrpSpPr>
+      <p:grpSpPr>
+        <a:xfrm>
+          <a:off x="0" y="0"/>
+          <a:ext cx="0" cy="0"/>
+          <a:chOff x="0" y="0"/>
+          <a:chExt cx="0" cy="0"/>
+        </a:xfrm>
+      </p:grpSpPr>
+      <p:sp>
+        <p:nvSpPr>
+          <p:cNvPr id="3" name="Espace réservé du contenu 2"/>
+          <p:cNvSpPr>
+            <a:spLocks noGrp="1"/>
+          </p:cNvSpPr>
+          <p:nvPr>
+            <p:ph idx="1"/>
+          </p:nvPr>
+        </p:nvSpPr>
+        <p:spPr>
+          <a:xfrm>
+            <a:off x="838200" y="1152524"/>
+            <a:ext cx="10515600" cy="4310063"/>
+          </a:xfrm>
+        </p:spPr>
+        <p:txBody>
+          <a:bodyPr/>
+          <a:lstStyle/>
+          <a:p>
+            <a:r>
+              <a:rPr lang="fr-FR" dirty="0" smtClean="0"/>
+              <a:t>Présentation de la société</a:t>
+            </a:r>
+          </a:p>
+          <a:p>
+            <a:r>
+              <a:rPr lang="fr-FR" dirty="0" smtClean="0"/>
+              <a:t>GIP</a:t>
+            </a:r>
+          </a:p>
+          <a:p>
+            <a:r>
+              <a:rPr lang="fr-FR" dirty="0" smtClean="0"/>
+              <a:t>Sujet de stage</a:t>
+            </a:r>
+            <a:endParaRPr lang="fr-FR" dirty="0" smtClean="0"/>
+          </a:p>
+          <a:p>
+            <a:r>
+              <a:rPr lang="fr-FR" dirty="0" smtClean="0"/>
+              <a:t>Analyse des widgets</a:t>
+            </a:r>
+            <a:endParaRPr lang="fr-FR" dirty="0" smtClean="0"/>
+          </a:p>
+          <a:p>
+            <a:r>
+              <a:rPr lang="fr-FR" dirty="0" err="1" smtClean="0"/>
+              <a:t>Vaadin</a:t>
+            </a:r>
+            <a:endParaRPr lang="fr-FR" dirty="0" smtClean="0"/>
+          </a:p>
+          <a:p>
+            <a:r>
+              <a:rPr lang="fr-FR" dirty="0" smtClean="0"/>
+              <a:t>Implémentation des widgets</a:t>
+            </a:r>
+            <a:endParaRPr lang="fr-FR" dirty="0"/>
+          </a:p>
+          <a:p>
+            <a:r>
+              <a:rPr lang="fr-FR" b="1" dirty="0" smtClean="0"/>
+              <a:t>Conclusion</a:t>
+            </a:r>
+            <a:endParaRPr lang="fr-BE" b="1" dirty="0"/>
+          </a:p>
+        </p:txBody>
+      </p:sp>
+      <p:sp>
+        <p:nvSpPr>
+          <p:cNvPr id="5" name="Espace réservé du numéro de diapositive 4"/>
+          <p:cNvSpPr>
+            <a:spLocks noGrp="1"/>
+          </p:cNvSpPr>
+          <p:nvPr>
+            <p:ph type="sldNum" sz="quarter" idx="12"/>
+          </p:nvPr>
+        </p:nvSpPr>
+        <p:spPr/>
+        <p:txBody>
+          <a:bodyPr>
+            <a:normAutofit/>
+          </a:bodyPr>
+          <a:lstStyle/>
+          <a:p>
+            <a:fld id="{4C3DFDC2-EA36-43E7-8576-C0047262A453}" type="slidenum">
+              <a:rPr lang="fr-BE" smtClean="0"/>
+              <a:t>26</a:t>
+            </a:fld>
+            <a:endParaRPr lang="fr-BE"/>
+          </a:p>
+        </p:txBody>
+      </p:sp>
+    </p:spTree>
+    <p:extLst>
+      <p:ext uri="{BB962C8B-B14F-4D97-AF65-F5344CB8AC3E}">
+        <p14:creationId xmlns:p14="http://schemas.microsoft.com/office/powerpoint/2010/main" val="4164219838"/>
+      </p:ext>
+    </p:extLst>
+  </p:cSld>
+  <p:clrMapOvr>
+    <a:masterClrMapping/>
+  </p:clrMapOvr>
+  <p:timing>
+    <p:tnLst>
+      <p:par>
+        <p:cTn id="1" dur="indefinite" restart="never" nodeType="tmRoot"/>
+      </p:par>
+    </p:tnLst>
+  </p:timing>
+</p:sld>
+</file>
+
+<file path=ppt/slides/slide27.xml><?xml version="1.0" encoding="utf-8"?>
+<p:sld xmlns:a="http://schemas.openxmlformats.org/drawingml/2006/main" xmlns:r="http://schemas.openxmlformats.org/officeDocument/2006/relationships" xmlns:p="http://schemas.openxmlformats.org/presentationml/2006/main">
+  <p:cSld>
+    <p:spTree>
+      <p:nvGrpSpPr>
+        <p:cNvPr id="1" name=""/>
+        <p:cNvGrpSpPr/>
+        <p:nvPr/>
+      </p:nvGrpSpPr>
+      <p:grpSpPr>
+        <a:xfrm>
+          <a:off x="0" y="0"/>
+          <a:ext cx="0" cy="0"/>
+          <a:chOff x="0" y="0"/>
+          <a:chExt cx="0" cy="0"/>
+        </a:xfrm>
+      </p:grpSpPr>
+      <p:sp>
+        <p:nvSpPr>
+          <p:cNvPr id="2" name="Titre 1"/>
+          <p:cNvSpPr>
+            <a:spLocks noGrp="1"/>
+          </p:cNvSpPr>
+          <p:nvPr>
+            <p:ph type="title"/>
+          </p:nvPr>
+        </p:nvSpPr>
+        <p:spPr/>
+        <p:txBody>
+          <a:bodyPr/>
+          <a:lstStyle/>
+          <a:p>
+            <a:endParaRPr lang="fr-BE" dirty="0"/>
+          </a:p>
+        </p:txBody>
+      </p:sp>
+      <p:sp>
+        <p:nvSpPr>
+          <p:cNvPr id="3" name="Espace réservé du contenu 2"/>
+          <p:cNvSpPr>
+            <a:spLocks noGrp="1"/>
+          </p:cNvSpPr>
+          <p:nvPr>
+            <p:ph idx="1"/>
+          </p:nvPr>
+        </p:nvSpPr>
+        <p:spPr/>
+        <p:txBody>
+          <a:bodyPr/>
+          <a:lstStyle/>
+          <a:p>
+            <a:r>
+              <a:rPr lang="fr-FR" dirty="0" smtClean="0"/>
+              <a:t>+  de connaissances Java acquises</a:t>
+            </a:r>
+          </a:p>
+          <a:p>
+            <a:r>
+              <a:rPr lang="fr-FR" dirty="0" smtClean="0"/>
+              <a:t>Première expérience en entreprise</a:t>
+            </a:r>
+          </a:p>
+          <a:p>
+            <a:endParaRPr lang="fr-BE" dirty="0"/>
+          </a:p>
+        </p:txBody>
+      </p:sp>
+      <p:sp>
+        <p:nvSpPr>
+          <p:cNvPr id="4" name="Espace réservé du numéro de diapositive 3"/>
+          <p:cNvSpPr>
+            <a:spLocks noGrp="1"/>
+          </p:cNvSpPr>
+          <p:nvPr>
+            <p:ph type="sldNum" sz="quarter" idx="12"/>
+          </p:nvPr>
+        </p:nvSpPr>
+        <p:spPr/>
+        <p:txBody>
+          <a:bodyPr/>
+          <a:lstStyle/>
+          <a:p>
+            <a:fld id="{4C3DFDC2-EA36-43E7-8576-C0047262A453}" type="slidenum">
+              <a:rPr lang="fr-BE" smtClean="0"/>
+              <a:t>27</a:t>
+            </a:fld>
+            <a:endParaRPr lang="fr-BE"/>
+          </a:p>
+        </p:txBody>
+      </p:sp>
+    </p:spTree>
+    <p:extLst>
+      <p:ext uri="{BB962C8B-B14F-4D97-AF65-F5344CB8AC3E}">
+        <p14:creationId xmlns:p14="http://schemas.microsoft.com/office/powerpoint/2010/main" val="4005020975"/>
+      </p:ext>
+    </p:extLst>
+  </p:cSld>
+  <p:clrMapOvr>
+    <a:masterClrMapping/>
+  </p:clrMapOvr>
+  <p:timing>
+    <p:tnLst>
+      <p:par>
+        <p:cTn id="1" dur="indefinite" restart="never" nodeType="tmRoot"/>
+      </p:par>
+    </p:tnLst>
+  </p:timing>
 </p:sld>
 </file>
 
@@ -3861,8 +6027,8 @@
         </p:nvSpPr>
         <p:spPr>
           <a:xfrm>
-            <a:off x="838200" y="529389"/>
-            <a:ext cx="10515600" cy="5647574"/>
+            <a:off x="838200" y="1152524"/>
+            <a:ext cx="10515600" cy="4310063"/>
           </a:xfrm>
         </p:spPr>
         <p:txBody>
@@ -3877,20 +6043,36 @@
           <a:p>
             <a:r>
               <a:rPr lang="fr-FR" dirty="0" smtClean="0"/>
-              <a:t>Présentation du travail demandé</a:t>
+              <a:t>GIP</a:t>
             </a:r>
           </a:p>
           <a:p>
             <a:r>
               <a:rPr lang="fr-FR" dirty="0" smtClean="0"/>
-              <a:t>Présentation de l’analyse</a:t>
-            </a:r>
+              <a:t>Sujet de stage</a:t>
+            </a:r>
+            <a:endParaRPr lang="fr-FR" dirty="0" smtClean="0"/>
           </a:p>
           <a:p>
             <a:r>
               <a:rPr lang="fr-FR" dirty="0" smtClean="0"/>
-              <a:t>Présentation de l’implémentation</a:t>
-            </a:r>
+              <a:t>Analyse des widgets</a:t>
+            </a:r>
+            <a:endParaRPr lang="fr-FR" dirty="0" smtClean="0"/>
+          </a:p>
+          <a:p>
+            <a:r>
+              <a:rPr lang="fr-FR" dirty="0" err="1" smtClean="0"/>
+              <a:t>Vaadin</a:t>
+            </a:r>
+            <a:endParaRPr lang="fr-FR" dirty="0" smtClean="0"/>
+          </a:p>
+          <a:p>
+            <a:r>
+              <a:rPr lang="fr-FR" dirty="0" smtClean="0"/>
+              <a:t>Implémentation des widgets</a:t>
+            </a:r>
+            <a:endParaRPr lang="fr-FR" dirty="0"/>
           </a:p>
           <a:p>
             <a:r>
@@ -3903,7 +6085,7 @@
       </p:sp>
       <p:sp>
         <p:nvSpPr>
-          <p:cNvPr id="4" name="Espace réservé du numéro de diapositive 3"/>
+          <p:cNvPr id="5" name="Espace réservé du numéro de diapositive 4"/>
           <p:cNvSpPr>
             <a:spLocks noGrp="1"/>
           </p:cNvSpPr>
@@ -3929,13 +6111,20 @@
     </p:spTree>
     <p:extLst>
       <p:ext uri="{BB962C8B-B14F-4D97-AF65-F5344CB8AC3E}">
-        <p14:creationId xmlns:p14="http://schemas.microsoft.com/office/powerpoint/2010/main" val="3627451534"/>
+        <p14:creationId xmlns:p14="http://schemas.microsoft.com/office/powerpoint/2010/main" val="2595927987"/>
       </p:ext>
     </p:extLst>
   </p:cSld>
   <p:clrMapOvr>
     <a:masterClrMapping/>
   </p:clrMapOvr>
+  <p:timing>
+    <p:tnLst>
+      <p:par>
+        <p:cTn id="1" dur="indefinite" restart="never" nodeType="tmRoot"/>
+      </p:par>
+    </p:tnLst>
+  </p:timing>
 </p:sld>
 </file>
 
@@ -3996,20 +6185,37 @@
           <a:p>
             <a:r>
               <a:rPr lang="fr-FR" dirty="0" smtClean="0"/>
-              <a:t>Spécialisée dans le traitement des données spatiales</a:t>
+              <a:t>Fondée en 2007</a:t>
+            </a:r>
+          </a:p>
+          <a:p>
+            <a:r>
+              <a:rPr lang="fr-BE" dirty="0"/>
+              <a:t>Service de consultance et aide à l'optimisation des </a:t>
+            </a:r>
+            <a:r>
+              <a:rPr lang="fr-BE" dirty="0" smtClean="0"/>
+              <a:t>SIG</a:t>
             </a:r>
           </a:p>
           <a:p>
             <a:r>
               <a:rPr lang="fr-FR" dirty="0" smtClean="0"/>
-              <a:t>GIP</a:t>
-            </a:r>
-          </a:p>
-        </p:txBody>
-      </p:sp>
-      <p:sp>
-        <p:nvSpPr>
-          <p:cNvPr id="5" name="Espace réservé du numéro de diapositive 4"/>
+              <a:t>Plateforme GIP</a:t>
+            </a:r>
+          </a:p>
+          <a:p>
+            <a:r>
+              <a:rPr lang="fr-FR" dirty="0" smtClean="0"/>
+              <a:t>Spécialisée dans les technologies Oracle</a:t>
+            </a:r>
+            <a:endParaRPr lang="fr-BE" dirty="0"/>
+          </a:p>
+        </p:txBody>
+      </p:sp>
+      <p:sp>
+        <p:nvSpPr>
+          <p:cNvPr id="4" name="Espace réservé du numéro de diapositive 3"/>
           <p:cNvSpPr>
             <a:spLocks noGrp="1"/>
           </p:cNvSpPr>
@@ -4019,9 +6225,7 @@
         </p:nvSpPr>
         <p:spPr/>
         <p:txBody>
-          <a:bodyPr>
-            <a:normAutofit/>
-          </a:bodyPr>
+          <a:bodyPr/>
           <a:lstStyle/>
           <a:p>
             <a:fld id="{4C3DFDC2-EA36-43E7-8576-C0047262A453}" type="slidenum">
@@ -4035,13 +6239,20 @@
     </p:spTree>
     <p:extLst>
       <p:ext uri="{BB962C8B-B14F-4D97-AF65-F5344CB8AC3E}">
-        <p14:creationId xmlns:p14="http://schemas.microsoft.com/office/powerpoint/2010/main" val="3229867859"/>
+        <p14:creationId xmlns:p14="http://schemas.microsoft.com/office/powerpoint/2010/main" val="4034842155"/>
       </p:ext>
     </p:extLst>
   </p:cSld>
   <p:clrMapOvr>
     <a:masterClrMapping/>
   </p:clrMapOvr>
+  <p:timing>
+    <p:tnLst>
+      <p:par>
+        <p:cTn id="1" dur="indefinite" restart="never" nodeType="tmRoot"/>
+      </p:par>
+    </p:tnLst>
+  </p:timing>
 </p:sld>
 </file>
 
@@ -4064,58 +6275,6 @@
       </p:grpSpPr>
       <p:sp>
         <p:nvSpPr>
-          <p:cNvPr id="3" name="Espace réservé du contenu 2"/>
-          <p:cNvSpPr>
-            <a:spLocks noGrp="1"/>
-          </p:cNvSpPr>
-          <p:nvPr>
-            <p:ph idx="1"/>
-          </p:nvPr>
-        </p:nvSpPr>
-        <p:spPr>
-          <a:xfrm>
-            <a:off x="838200" y="529389"/>
-            <a:ext cx="10515600" cy="5647574"/>
-          </a:xfrm>
-        </p:spPr>
-        <p:txBody>
-          <a:bodyPr/>
-          <a:lstStyle/>
-          <a:p>
-            <a:r>
-              <a:rPr lang="fr-FR" dirty="0" smtClean="0"/>
-              <a:t>Présentation de la société</a:t>
-            </a:r>
-          </a:p>
-          <a:p>
-            <a:r>
-              <a:rPr lang="fr-FR" b="1" dirty="0" smtClean="0"/>
-              <a:t>Présentation du travail demandé</a:t>
-            </a:r>
-          </a:p>
-          <a:p>
-            <a:r>
-              <a:rPr lang="fr-FR" dirty="0" smtClean="0"/>
-              <a:t>Présentation de l’analyse</a:t>
-            </a:r>
-          </a:p>
-          <a:p>
-            <a:r>
-              <a:rPr lang="fr-FR" dirty="0" smtClean="0"/>
-              <a:t>Présentation de l’implémentation</a:t>
-            </a:r>
-          </a:p>
-          <a:p>
-            <a:r>
-              <a:rPr lang="fr-FR" dirty="0" smtClean="0"/>
-              <a:t>Conclusion</a:t>
-            </a:r>
-            <a:endParaRPr lang="fr-BE" dirty="0"/>
-          </a:p>
-        </p:txBody>
-      </p:sp>
-      <p:sp>
-        <p:nvSpPr>
           <p:cNvPr id="4" name="Espace réservé du numéro de diapositive 3"/>
           <p:cNvSpPr>
             <a:spLocks noGrp="1"/>
@@ -4126,9 +6285,7 @@
         </p:nvSpPr>
         <p:spPr/>
         <p:txBody>
-          <a:bodyPr>
-            <a:normAutofit/>
-          </a:bodyPr>
+          <a:bodyPr/>
           <a:lstStyle/>
           <a:p>
             <a:fld id="{4C3DFDC2-EA36-43E7-8576-C0047262A453}" type="slidenum">
@@ -4139,16 +6296,55 @@
           </a:p>
         </p:txBody>
       </p:sp>
+      <p:pic>
+        <p:nvPicPr>
+          <p:cNvPr id="5" name="Espace réservé du contenu 4"/>
+          <p:cNvPicPr>
+            <a:picLocks noGrp="1" noChangeAspect="1"/>
+          </p:cNvPicPr>
+          <p:nvPr>
+            <p:ph idx="1"/>
+          </p:nvPr>
+        </p:nvPicPr>
+        <p:blipFill>
+          <a:blip r:embed="rId2">
+            <a:extLst>
+              <a:ext uri="{28A0092B-C50C-407E-A947-70E740481C1C}">
+                <a14:useLocalDpi xmlns:a14="http://schemas.microsoft.com/office/drawing/2010/main" val="0"/>
+              </a:ext>
+            </a:extLst>
+          </a:blip>
+          <a:stretch>
+            <a:fillRect/>
+          </a:stretch>
+        </p:blipFill>
+        <p:spPr>
+          <a:xfrm>
+            <a:off x="2372497" y="1835415"/>
+            <a:ext cx="6878595" cy="2312012"/>
+          </a:xfrm>
+          <a:prstGeom prst="rect">
+            <a:avLst/>
+          </a:prstGeom>
+        </p:spPr>
+      </p:pic>
     </p:spTree>
     <p:extLst>
       <p:ext uri="{BB962C8B-B14F-4D97-AF65-F5344CB8AC3E}">
-        <p14:creationId xmlns:p14="http://schemas.microsoft.com/office/powerpoint/2010/main" val="3862326419"/>
+        <p14:creationId xmlns:p14="http://schemas.microsoft.com/office/powerpoint/2010/main" val="719545897"/>
       </p:ext>
     </p:extLst>
   </p:cSld>
   <p:clrMapOvr>
     <a:masterClrMapping/>
   </p:clrMapOvr>
+  <p:timing>
+    <p:tnLst>
+      <p:par>
+        <p:cTn id="1" dur="indefinite" restart="never" nodeType="tmRoot"/>
+      </p:par>
+    </p:tnLst>
+  </p:timing>
 </p:sld>
 </file>
 
@@ -4171,25 +6367,6 @@
       </p:grpSpPr>
       <p:sp>
         <p:nvSpPr>
-          <p:cNvPr id="2" name="Titre 1"/>
-          <p:cNvSpPr>
-            <a:spLocks noGrp="1"/>
-          </p:cNvSpPr>
-          <p:nvPr>
-            <p:ph type="title"/>
-          </p:nvPr>
-        </p:nvSpPr>
-        <p:spPr/>
-        <p:txBody>
-          <a:bodyPr/>
-          <a:lstStyle/>
-          <a:p>
-            <a:endParaRPr lang="fr-BE"/>
-          </a:p>
-        </p:txBody>
-      </p:sp>
-      <p:sp>
-        <p:nvSpPr>
           <p:cNvPr id="3" name="Espace réservé du contenu 2"/>
           <p:cNvSpPr>
             <a:spLocks noGrp="1"/>
@@ -4198,38 +6375,45 @@
             <p:ph idx="1"/>
           </p:nvPr>
         </p:nvSpPr>
-        <p:spPr/>
-        <p:txBody>
-          <a:bodyPr/>
-          <a:lstStyle/>
-          <a:p>
-            <a:r>
-              <a:rPr lang="fr-FR" dirty="0" smtClean="0"/>
-              <a:t>Analyse et implémentation de widgets avec l’aide de </a:t>
-            </a:r>
-            <a:r>
-              <a:rPr lang="fr-FR" dirty="0" err="1" smtClean="0"/>
-              <a:t>Vaadin</a:t>
-            </a:r>
-            <a:r>
-              <a:rPr lang="fr-FR" dirty="0" smtClean="0"/>
-              <a:t> </a:t>
-            </a:r>
-            <a:r>
-              <a:rPr lang="fr-FR" dirty="0" err="1" smtClean="0"/>
-              <a:t>framework</a:t>
-            </a:r>
-            <a:r>
-              <a:rPr lang="fr-FR" dirty="0" smtClean="0"/>
-              <a:t> à insérer dans des tableaux de bord</a:t>
-            </a:r>
-            <a:endParaRPr lang="fr-BE" dirty="0"/>
-          </a:p>
-        </p:txBody>
-      </p:sp>
-      <p:sp>
-        <p:nvSpPr>
-          <p:cNvPr id="5" name="Espace réservé du numéro de diapositive 4"/>
+        <p:spPr>
+          <a:xfrm>
+            <a:off x="739346" y="1298403"/>
+            <a:ext cx="10515600" cy="4351338"/>
+          </a:xfrm>
+        </p:spPr>
+        <p:txBody>
+          <a:bodyPr/>
+          <a:lstStyle/>
+          <a:p>
+            <a:pPr marL="0" indent="0">
+              <a:buNone/>
+            </a:pPr>
+            <a:r>
+              <a:rPr lang="fr-BE" dirty="0"/>
+              <a:t>GIP est une plateforme d’acquisition et de traitement de données </a:t>
+            </a:r>
+            <a:r>
+              <a:rPr lang="fr-BE" dirty="0" err="1"/>
+              <a:t>géolocalisées</a:t>
+            </a:r>
+            <a:r>
+              <a:rPr lang="fr-BE" dirty="0"/>
+              <a:t> vous permettant de déclencher des alertes en temps réel en fonction d’événements spatiaux préalablement définis. En effet, vous pouvez définir vos propres alertes et événements spatiaux, ce qui génère des workflows associés, que vous pouvez ensuite activer ou désactiver à tout moment en fonction de vos </a:t>
+            </a:r>
+            <a:r>
+              <a:rPr lang="fr-BE" dirty="0" err="1"/>
+              <a:t>desideratas.GIP</a:t>
+            </a:r>
+            <a:r>
+              <a:rPr lang="fr-BE" dirty="0"/>
+              <a:t> est un outil générique, non-intrusif et essentiel à la prise de décision pertinente en temps réel en fonction de positions et d'événements réalisés ou non</a:t>
+            </a:r>
+          </a:p>
+        </p:txBody>
+      </p:sp>
+      <p:sp>
+        <p:nvSpPr>
+          <p:cNvPr id="4" name="Espace réservé du numéro de diapositive 3"/>
           <p:cNvSpPr>
             <a:spLocks noGrp="1"/>
           </p:cNvSpPr>
@@ -4239,9 +6423,7 @@
         </p:nvSpPr>
         <p:spPr/>
         <p:txBody>
-          <a:bodyPr>
-            <a:normAutofit/>
-          </a:bodyPr>
+          <a:bodyPr/>
           <a:lstStyle/>
           <a:p>
             <a:fld id="{4C3DFDC2-EA36-43E7-8576-C0047262A453}" type="slidenum">
@@ -4255,13 +6437,20 @@
     </p:spTree>
     <p:extLst>
       <p:ext uri="{BB962C8B-B14F-4D97-AF65-F5344CB8AC3E}">
-        <p14:creationId xmlns:p14="http://schemas.microsoft.com/office/powerpoint/2010/main" val="1126843837"/>
+        <p14:creationId xmlns:p14="http://schemas.microsoft.com/office/powerpoint/2010/main" val="3429130346"/>
       </p:ext>
     </p:extLst>
   </p:cSld>
   <p:clrMapOvr>
     <a:masterClrMapping/>
   </p:clrMapOvr>
+  <p:timing>
+    <p:tnLst>
+      <p:par>
+        <p:cTn id="1" dur="indefinite" restart="never" nodeType="tmRoot"/>
+      </p:par>
+    </p:tnLst>
+  </p:timing>
 </p:sld>
 </file>
 
@@ -4284,56 +6473,57 @@
       </p:grpSpPr>
       <p:sp>
         <p:nvSpPr>
-          <p:cNvPr id="3" name="Espace réservé du contenu 2"/>
-          <p:cNvSpPr>
-            <a:spLocks noGrp="1"/>
-          </p:cNvSpPr>
+          <p:cNvPr id="2" name="Titre 1"/>
+          <p:cNvSpPr>
+            <a:spLocks noGrp="1"/>
+          </p:cNvSpPr>
+          <p:nvPr>
+            <p:ph type="title"/>
+          </p:nvPr>
+        </p:nvSpPr>
+        <p:spPr/>
+        <p:txBody>
+          <a:bodyPr/>
+          <a:lstStyle/>
+          <a:p>
+            <a:pPr algn="ctr"/>
+            <a:r>
+              <a:rPr lang="fr-FR" dirty="0" smtClean="0"/>
+              <a:t>Architecture de GIP</a:t>
+            </a:r>
+            <a:endParaRPr lang="fr-BE" dirty="0"/>
+          </a:p>
+        </p:txBody>
+      </p:sp>
+      <p:pic>
+        <p:nvPicPr>
+          <p:cNvPr id="5" name="Espace réservé du contenu 4"/>
+          <p:cNvPicPr>
+            <a:picLocks noGrp="1" noChangeAspect="1"/>
+          </p:cNvPicPr>
           <p:nvPr>
             <p:ph idx="1"/>
           </p:nvPr>
-        </p:nvSpPr>
+        </p:nvPicPr>
+        <p:blipFill>
+          <a:blip r:embed="rId2">
+            <a:extLst>
+              <a:ext uri="{28A0092B-C50C-407E-A947-70E740481C1C}">
+                <a14:useLocalDpi xmlns:a14="http://schemas.microsoft.com/office/drawing/2010/main" val="0"/>
+              </a:ext>
+            </a:extLst>
+          </a:blip>
+          <a:stretch>
+            <a:fillRect/>
+          </a:stretch>
+        </p:blipFill>
         <p:spPr>
           <a:xfrm>
-            <a:off x="838200" y="529389"/>
-            <a:ext cx="10515600" cy="5647574"/>
+            <a:off x="2709862" y="2096294"/>
+            <a:ext cx="6772275" cy="3810000"/>
           </a:xfrm>
         </p:spPr>
-        <p:txBody>
-          <a:bodyPr/>
-          <a:lstStyle/>
-          <a:p>
-            <a:r>
-              <a:rPr lang="fr-FR" dirty="0" smtClean="0"/>
-              <a:t>Présentation de la société</a:t>
-            </a:r>
-          </a:p>
-          <a:p>
-            <a:r>
-              <a:rPr lang="fr-FR" dirty="0" smtClean="0"/>
-              <a:t>Présentation du travail demandé</a:t>
-            </a:r>
-          </a:p>
-          <a:p>
-            <a:r>
-              <a:rPr lang="fr-FR" b="1" dirty="0" smtClean="0"/>
-              <a:t>Présentation de l’analyse</a:t>
-            </a:r>
-          </a:p>
-          <a:p>
-            <a:r>
-              <a:rPr lang="fr-FR" dirty="0" smtClean="0"/>
-              <a:t>Présentation de l’implémentation</a:t>
-            </a:r>
-          </a:p>
-          <a:p>
-            <a:r>
-              <a:rPr lang="fr-FR" dirty="0" smtClean="0"/>
-              <a:t>Conclusion</a:t>
-            </a:r>
-            <a:endParaRPr lang="fr-BE" dirty="0"/>
-          </a:p>
-        </p:txBody>
-      </p:sp>
+      </p:pic>
       <p:sp>
         <p:nvSpPr>
           <p:cNvPr id="4" name="Espace réservé du numéro de diapositive 3"/>
@@ -4346,9 +6536,7 @@
         </p:nvSpPr>
         <p:spPr/>
         <p:txBody>
-          <a:bodyPr>
-            <a:normAutofit/>
-          </a:bodyPr>
+          <a:bodyPr/>
           <a:lstStyle/>
           <a:p>
             <a:fld id="{4C3DFDC2-EA36-43E7-8576-C0047262A453}" type="slidenum">
@@ -4362,13 +6550,20 @@
     </p:spTree>
     <p:extLst>
       <p:ext uri="{BB962C8B-B14F-4D97-AF65-F5344CB8AC3E}">
-        <p14:creationId xmlns:p14="http://schemas.microsoft.com/office/powerpoint/2010/main" val="3216614785"/>
+        <p14:creationId xmlns:p14="http://schemas.microsoft.com/office/powerpoint/2010/main" val="920519408"/>
       </p:ext>
     </p:extLst>
   </p:cSld>
   <p:clrMapOvr>
     <a:masterClrMapping/>
   </p:clrMapOvr>
+  <p:timing>
+    <p:tnLst>
+      <p:par>
+        <p:cTn id="1" dur="indefinite" restart="never" nodeType="tmRoot"/>
+      </p:par>
+    </p:tnLst>
+  </p:timing>
 </p:sld>
 </file>
 
@@ -4401,8 +6596,8 @@
         </p:nvSpPr>
         <p:spPr>
           <a:xfrm>
-            <a:off x="838200" y="529389"/>
-            <a:ext cx="10515600" cy="5647574"/>
+            <a:off x="838200" y="1152524"/>
+            <a:ext cx="10515600" cy="4310063"/>
           </a:xfrm>
         </p:spPr>
         <p:txBody>
@@ -4417,20 +6612,36 @@
           <a:p>
             <a:r>
               <a:rPr lang="fr-FR" dirty="0" smtClean="0"/>
-              <a:t>Présentation du travail demandé</a:t>
-            </a:r>
+              <a:t>GIP</a:t>
+            </a:r>
+          </a:p>
+          <a:p>
+            <a:r>
+              <a:rPr lang="fr-FR" b="1" dirty="0" smtClean="0"/>
+              <a:t>Sujet de stage</a:t>
+            </a:r>
+            <a:endParaRPr lang="fr-FR" b="1" dirty="0" smtClean="0"/>
           </a:p>
           <a:p>
             <a:r>
               <a:rPr lang="fr-FR" dirty="0" smtClean="0"/>
-              <a:t>Présentation de l’analyse</a:t>
-            </a:r>
-          </a:p>
-          <a:p>
-            <a:r>
-              <a:rPr lang="fr-FR" b="1" dirty="0" smtClean="0"/>
-              <a:t>Présentation de l’implémentation</a:t>
-            </a:r>
+              <a:t>Analyse des widgets</a:t>
+            </a:r>
+            <a:endParaRPr lang="fr-FR" dirty="0" smtClean="0"/>
+          </a:p>
+          <a:p>
+            <a:r>
+              <a:rPr lang="fr-FR" dirty="0" err="1" smtClean="0"/>
+              <a:t>Vaadin</a:t>
+            </a:r>
+            <a:endParaRPr lang="fr-FR" dirty="0" smtClean="0"/>
+          </a:p>
+          <a:p>
+            <a:r>
+              <a:rPr lang="fr-FR" dirty="0" smtClean="0"/>
+              <a:t>Implémentation des widgets</a:t>
+            </a:r>
+            <a:endParaRPr lang="fr-FR" dirty="0"/>
           </a:p>
           <a:p>
             <a:r>
@@ -4443,7 +6654,7 @@
       </p:sp>
       <p:sp>
         <p:nvSpPr>
-          <p:cNvPr id="4" name="Espace réservé du numéro de diapositive 3"/>
+          <p:cNvPr id="5" name="Espace réservé du numéro de diapositive 4"/>
           <p:cNvSpPr>
             <a:spLocks noGrp="1"/>
           </p:cNvSpPr>
@@ -4469,13 +6680,20 @@
     </p:spTree>
     <p:extLst>
       <p:ext uri="{BB962C8B-B14F-4D97-AF65-F5344CB8AC3E}">
-        <p14:creationId xmlns:p14="http://schemas.microsoft.com/office/powerpoint/2010/main" val="1259844022"/>
+        <p14:creationId xmlns:p14="http://schemas.microsoft.com/office/powerpoint/2010/main" val="4131753151"/>
       </p:ext>
     </p:extLst>
   </p:cSld>
   <p:clrMapOvr>
     <a:masterClrMapping/>
   </p:clrMapOvr>
+  <p:timing>
+    <p:tnLst>
+      <p:par>
+        <p:cTn id="1" dur="indefinite" restart="never" nodeType="tmRoot"/>
+      </p:par>
+    </p:tnLst>
+  </p:timing>
 </p:sld>
 </file>
 
@@ -4498,53 +6716,44 @@
       </p:grpSpPr>
       <p:sp>
         <p:nvSpPr>
-          <p:cNvPr id="3" name="Espace réservé du contenu 2"/>
-          <p:cNvSpPr>
-            <a:spLocks noGrp="1"/>
-          </p:cNvSpPr>
-          <p:nvPr>
-            <p:ph idx="1"/>
-          </p:nvPr>
+          <p:cNvPr id="9" name="Rectangle 8"/>
+          <p:cNvSpPr/>
+          <p:nvPr/>
         </p:nvSpPr>
         <p:spPr>
           <a:xfrm>
-            <a:off x="838200" y="529389"/>
-            <a:ext cx="10515600" cy="5647574"/>
+            <a:off x="4821382" y="1071418"/>
+            <a:ext cx="6299200" cy="1071418"/>
           </a:xfrm>
+          <a:prstGeom prst="rect">
+            <a:avLst/>
+          </a:prstGeom>
+          <a:ln>
+            <a:solidFill>
+              <a:schemeClr val="bg1"/>
+            </a:solidFill>
+          </a:ln>
         </p:spPr>
-        <p:txBody>
-          <a:bodyPr/>
-          <a:lstStyle/>
-          <a:p>
-            <a:r>
-              <a:rPr lang="fr-FR" dirty="0" smtClean="0"/>
-              <a:t>Présentation de la société</a:t>
-            </a:r>
-          </a:p>
-          <a:p>
-            <a:r>
-              <a:rPr lang="fr-FR" dirty="0" smtClean="0"/>
-              <a:t>Présentation du travail demandé</a:t>
-            </a:r>
-          </a:p>
-          <a:p>
-            <a:r>
-              <a:rPr lang="fr-FR" dirty="0" smtClean="0"/>
-              <a:t>Présentation de l’analyse</a:t>
-            </a:r>
-          </a:p>
-          <a:p>
-            <a:r>
-              <a:rPr lang="fr-FR" dirty="0" smtClean="0"/>
-              <a:t>Présentation de l’implémentation</a:t>
-            </a:r>
-          </a:p>
-          <a:p>
-            <a:r>
-              <a:rPr lang="fr-FR" b="1" dirty="0" smtClean="0"/>
-              <a:t>Conclusion</a:t>
-            </a:r>
-            <a:endParaRPr lang="fr-BE" b="1" dirty="0"/>
+        <p:style>
+          <a:lnRef idx="2">
+            <a:schemeClr val="dk1"/>
+          </a:lnRef>
+          <a:fillRef idx="1">
+            <a:schemeClr val="lt1"/>
+          </a:fillRef>
+          <a:effectRef idx="0">
+            <a:schemeClr val="dk1"/>
+          </a:effectRef>
+          <a:fontRef idx="minor">
+            <a:schemeClr val="dk1"/>
+          </a:fontRef>
+        </p:style>
+        <p:txBody>
+          <a:bodyPr rtlCol="0" anchor="ctr"/>
+          <a:lstStyle/>
+          <a:p>
+            <a:pPr algn="ctr"/>
+            <a:endParaRPr lang="fr-BE"/>
           </a:p>
         </p:txBody>
       </p:sp>
@@ -4560,9 +6769,7 @@
         </p:nvSpPr>
         <p:spPr/>
         <p:txBody>
-          <a:bodyPr>
-            <a:normAutofit/>
-          </a:bodyPr>
+          <a:bodyPr/>
           <a:lstStyle/>
           <a:p>
             <a:fld id="{4C3DFDC2-EA36-43E7-8576-C0047262A453}" type="slidenum">
@@ -4573,16 +6780,187 @@
           </a:p>
         </p:txBody>
       </p:sp>
+      <p:sp>
+        <p:nvSpPr>
+          <p:cNvPr id="6" name="ZoneTexte 5"/>
+          <p:cNvSpPr txBox="1"/>
+          <p:nvPr/>
+        </p:nvSpPr>
+        <p:spPr>
+          <a:xfrm>
+            <a:off x="4904509" y="1422460"/>
+            <a:ext cx="5624810" cy="369332"/>
+          </a:xfrm>
+          <a:prstGeom prst="rect">
+            <a:avLst/>
+          </a:prstGeom>
+          <a:noFill/>
+        </p:spPr>
+        <p:txBody>
+          <a:bodyPr wrap="none" rtlCol="0">
+            <a:spAutoFit/>
+          </a:bodyPr>
+          <a:lstStyle/>
+          <a:p>
+            <a:r>
+              <a:rPr lang="fr-BE" dirty="0"/>
+              <a:t>Ajout de fonctionnalités -widgets dans un tableau de bord</a:t>
+            </a:r>
+          </a:p>
+        </p:txBody>
+      </p:sp>
+      <p:sp>
+        <p:nvSpPr>
+          <p:cNvPr id="7" name="ZoneTexte 6"/>
+          <p:cNvSpPr txBox="1"/>
+          <p:nvPr/>
+        </p:nvSpPr>
+        <p:spPr>
+          <a:xfrm>
+            <a:off x="1366982" y="3195904"/>
+            <a:ext cx="2070952" cy="369332"/>
+          </a:xfrm>
+          <a:prstGeom prst="rect">
+            <a:avLst/>
+          </a:prstGeom>
+          <a:noFill/>
+        </p:spPr>
+        <p:txBody>
+          <a:bodyPr wrap="none" rtlCol="0">
+            <a:spAutoFit/>
+          </a:bodyPr>
+          <a:lstStyle/>
+          <a:p>
+            <a:r>
+              <a:rPr lang="fr-BE" dirty="0"/>
+              <a:t>Analyse des widgets</a:t>
+            </a:r>
+          </a:p>
+        </p:txBody>
+      </p:sp>
+      <p:sp>
+        <p:nvSpPr>
+          <p:cNvPr id="8" name="ZoneTexte 7"/>
+          <p:cNvSpPr txBox="1"/>
+          <p:nvPr/>
+        </p:nvSpPr>
+        <p:spPr>
+          <a:xfrm>
+            <a:off x="4821382" y="5153890"/>
+            <a:ext cx="2853089" cy="369332"/>
+          </a:xfrm>
+          <a:prstGeom prst="rect">
+            <a:avLst/>
+          </a:prstGeom>
+          <a:noFill/>
+        </p:spPr>
+        <p:txBody>
+          <a:bodyPr wrap="none" rtlCol="0">
+            <a:spAutoFit/>
+          </a:bodyPr>
+          <a:lstStyle/>
+          <a:p>
+            <a:r>
+              <a:rPr lang="fr-BE" dirty="0"/>
+              <a:t>Implémentation des </a:t>
+            </a:r>
+            <a:r>
+              <a:rPr lang="fr-BE" dirty="0" smtClean="0"/>
+              <a:t>widgets</a:t>
+            </a:r>
+            <a:endParaRPr lang="fr-BE" dirty="0"/>
+          </a:p>
+        </p:txBody>
+      </p:sp>
+      <p:cxnSp>
+        <p:nvCxnSpPr>
+          <p:cNvPr id="11" name="Connecteur en arc 10"/>
+          <p:cNvCxnSpPr>
+            <a:stCxn id="9" idx="1"/>
+            <a:endCxn id="7" idx="0"/>
+          </p:cNvCxnSpPr>
+          <p:nvPr/>
+        </p:nvCxnSpPr>
+        <p:spPr>
+          <a:xfrm rot="10800000" flipV="1">
+            <a:off x="2402458" y="1607126"/>
+            <a:ext cx="2418924" cy="1588777"/>
+          </a:xfrm>
+          <a:prstGeom prst="curvedConnector2">
+            <a:avLst/>
+          </a:prstGeom>
+          <a:ln>
+            <a:tailEnd type="triangle"/>
+          </a:ln>
+        </p:spPr>
+        <p:style>
+          <a:lnRef idx="3">
+            <a:schemeClr val="dk1"/>
+          </a:lnRef>
+          <a:fillRef idx="0">
+            <a:schemeClr val="dk1"/>
+          </a:fillRef>
+          <a:effectRef idx="2">
+            <a:schemeClr val="dk1"/>
+          </a:effectRef>
+          <a:fontRef idx="minor">
+            <a:schemeClr val="tx1"/>
+          </a:fontRef>
+        </p:style>
+      </p:cxnSp>
+      <p:cxnSp>
+        <p:nvCxnSpPr>
+          <p:cNvPr id="13" name="Connecteur en arc 12"/>
+          <p:cNvCxnSpPr>
+            <a:stCxn id="7" idx="2"/>
+            <a:endCxn id="8" idx="1"/>
+          </p:cNvCxnSpPr>
+          <p:nvPr/>
+        </p:nvCxnSpPr>
+        <p:spPr>
+          <a:xfrm rot="16200000" flipH="1">
+            <a:off x="2725260" y="3242434"/>
+            <a:ext cx="1773320" cy="2418924"/>
+          </a:xfrm>
+          <a:prstGeom prst="curvedConnector2">
+            <a:avLst/>
+          </a:prstGeom>
+          <a:ln>
+            <a:tailEnd type="triangle"/>
+          </a:ln>
+        </p:spPr>
+        <p:style>
+          <a:lnRef idx="3">
+            <a:schemeClr val="dk1"/>
+          </a:lnRef>
+          <a:fillRef idx="0">
+            <a:schemeClr val="dk1"/>
+          </a:fillRef>
+          <a:effectRef idx="2">
+            <a:schemeClr val="dk1"/>
+          </a:effectRef>
+          <a:fontRef idx="minor">
+            <a:schemeClr val="tx1"/>
+          </a:fontRef>
+        </p:style>
+      </p:cxnSp>
     </p:spTree>
     <p:extLst>
       <p:ext uri="{BB962C8B-B14F-4D97-AF65-F5344CB8AC3E}">
-        <p14:creationId xmlns:p14="http://schemas.microsoft.com/office/powerpoint/2010/main" val="125911907"/>
+        <p14:creationId xmlns:p14="http://schemas.microsoft.com/office/powerpoint/2010/main" val="2526247910"/>
       </p:ext>
     </p:extLst>
   </p:cSld>
   <p:clrMapOvr>
     <a:masterClrMapping/>
   </p:clrMapOvr>
+  <p:timing>
+    <p:tnLst>
+      <p:par>
+        <p:cTn id="1" dur="indefinite" restart="never" nodeType="tmRoot"/>
+      </p:par>
+    </p:tnLst>
+  </p:timing>
 </p:sld>
 </file>
 
